--- a/TAMUhackpresentation.pptx
+++ b/TAMUhackpresentation.pptx
@@ -2,14 +2,15 @@
 <file path=ppt/presentation.xml><?xml version="1.0" encoding="utf-8"?>
 <p:presentation xmlns:a="http://schemas.openxmlformats.org/drawingml/2006/main" xmlns:r="http://schemas.openxmlformats.org/officeDocument/2006/relationships" xmlns:p="http://schemas.openxmlformats.org/presentationml/2006/main" saveSubsetFonts="1">
   <p:sldMasterIdLst>
-    <p:sldMasterId id="2147483672" r:id="rId1"/>
+    <p:sldMasterId id="2147483792" r:id="rId1"/>
   </p:sldMasterIdLst>
   <p:sldIdLst>
     <p:sldId id="256" r:id="rId2"/>
     <p:sldId id="257" r:id="rId3"/>
     <p:sldId id="258" r:id="rId4"/>
-    <p:sldId id="259" r:id="rId5"/>
-    <p:sldId id="260" r:id="rId6"/>
+    <p:sldId id="261" r:id="rId5"/>
+    <p:sldId id="259" r:id="rId6"/>
+    <p:sldId id="260" r:id="rId7"/>
   </p:sldIdLst>
   <p:sldSz cx="12192000" cy="6858000"/>
   <p:notesSz cx="6858000" cy="9144000"/>
@@ -17,7 +18,7 @@
     <a:defPPr>
       <a:defRPr lang="en-US"/>
     </a:defPPr>
-    <a:lvl1pPr marL="0" algn="l" defTabSz="914400" rtl="0" eaLnBrk="1" latinLnBrk="0" hangingPunct="1">
+    <a:lvl1pPr marL="0" algn="l" defTabSz="457200" rtl="0" eaLnBrk="1" latinLnBrk="0" hangingPunct="1">
       <a:defRPr sz="1800" kern="1200">
         <a:solidFill>
           <a:schemeClr val="tx1"/>
@@ -27,7 +28,7 @@
         <a:cs typeface="+mn-cs"/>
       </a:defRPr>
     </a:lvl1pPr>
-    <a:lvl2pPr marL="457200" algn="l" defTabSz="914400" rtl="0" eaLnBrk="1" latinLnBrk="0" hangingPunct="1">
+    <a:lvl2pPr marL="457200" algn="l" defTabSz="457200" rtl="0" eaLnBrk="1" latinLnBrk="0" hangingPunct="1">
       <a:defRPr sz="1800" kern="1200">
         <a:solidFill>
           <a:schemeClr val="tx1"/>
@@ -37,7 +38,7 @@
         <a:cs typeface="+mn-cs"/>
       </a:defRPr>
     </a:lvl2pPr>
-    <a:lvl3pPr marL="914400" algn="l" defTabSz="914400" rtl="0" eaLnBrk="1" latinLnBrk="0" hangingPunct="1">
+    <a:lvl3pPr marL="914400" algn="l" defTabSz="457200" rtl="0" eaLnBrk="1" latinLnBrk="0" hangingPunct="1">
       <a:defRPr sz="1800" kern="1200">
         <a:solidFill>
           <a:schemeClr val="tx1"/>
@@ -47,7 +48,7 @@
         <a:cs typeface="+mn-cs"/>
       </a:defRPr>
     </a:lvl3pPr>
-    <a:lvl4pPr marL="1371600" algn="l" defTabSz="914400" rtl="0" eaLnBrk="1" latinLnBrk="0" hangingPunct="1">
+    <a:lvl4pPr marL="1371600" algn="l" defTabSz="457200" rtl="0" eaLnBrk="1" latinLnBrk="0" hangingPunct="1">
       <a:defRPr sz="1800" kern="1200">
         <a:solidFill>
           <a:schemeClr val="tx1"/>
@@ -57,7 +58,7 @@
         <a:cs typeface="+mn-cs"/>
       </a:defRPr>
     </a:lvl4pPr>
-    <a:lvl5pPr marL="1828800" algn="l" defTabSz="914400" rtl="0" eaLnBrk="1" latinLnBrk="0" hangingPunct="1">
+    <a:lvl5pPr marL="1828800" algn="l" defTabSz="457200" rtl="0" eaLnBrk="1" latinLnBrk="0" hangingPunct="1">
       <a:defRPr sz="1800" kern="1200">
         <a:solidFill>
           <a:schemeClr val="tx1"/>
@@ -67,7 +68,7 @@
         <a:cs typeface="+mn-cs"/>
       </a:defRPr>
     </a:lvl5pPr>
-    <a:lvl6pPr marL="2286000" algn="l" defTabSz="914400" rtl="0" eaLnBrk="1" latinLnBrk="0" hangingPunct="1">
+    <a:lvl6pPr marL="2286000" algn="l" defTabSz="457200" rtl="0" eaLnBrk="1" latinLnBrk="0" hangingPunct="1">
       <a:defRPr sz="1800" kern="1200">
         <a:solidFill>
           <a:schemeClr val="tx1"/>
@@ -77,7 +78,7 @@
         <a:cs typeface="+mn-cs"/>
       </a:defRPr>
     </a:lvl6pPr>
-    <a:lvl7pPr marL="2743200" algn="l" defTabSz="914400" rtl="0" eaLnBrk="1" latinLnBrk="0" hangingPunct="1">
+    <a:lvl7pPr marL="2743200" algn="l" defTabSz="457200" rtl="0" eaLnBrk="1" latinLnBrk="0" hangingPunct="1">
       <a:defRPr sz="1800" kern="1200">
         <a:solidFill>
           <a:schemeClr val="tx1"/>
@@ -87,7 +88,7 @@
         <a:cs typeface="+mn-cs"/>
       </a:defRPr>
     </a:lvl7pPr>
-    <a:lvl8pPr marL="3200400" algn="l" defTabSz="914400" rtl="0" eaLnBrk="1" latinLnBrk="0" hangingPunct="1">
+    <a:lvl8pPr marL="3200400" algn="l" defTabSz="457200" rtl="0" eaLnBrk="1" latinLnBrk="0" hangingPunct="1">
       <a:defRPr sz="1800" kern="1200">
         <a:solidFill>
           <a:schemeClr val="tx1"/>
@@ -97,7 +98,7 @@
         <a:cs typeface="+mn-cs"/>
       </a:defRPr>
     </a:lvl8pPr>
-    <a:lvl9pPr marL="3657600" algn="l" defTabSz="914400" rtl="0" eaLnBrk="1" latinLnBrk="0" hangingPunct="1">
+    <a:lvl9pPr marL="3657600" algn="l" defTabSz="457200" rtl="0" eaLnBrk="1" latinLnBrk="0" hangingPunct="1">
       <a:defRPr sz="1800" kern="1200">
         <a:solidFill>
           <a:schemeClr val="tx1"/>
@@ -112,7 +113,7 @@
 </file>
 
 <file path=ppt/slideLayouts/slideLayout1.xml><?xml version="1.0" encoding="utf-8"?>
-<p:sldLayout xmlns:a="http://schemas.openxmlformats.org/drawingml/2006/main" xmlns:r="http://schemas.openxmlformats.org/officeDocument/2006/relationships" xmlns:p="http://schemas.openxmlformats.org/presentationml/2006/main" type="title" preserve="1">
+<p:sldLayout xmlns:a="http://schemas.openxmlformats.org/drawingml/2006/main" xmlns:r="http://schemas.openxmlformats.org/officeDocument/2006/relationships" xmlns:p="http://schemas.openxmlformats.org/presentationml/2006/main" showMasterSp="0" type="title" preserve="1">
   <p:cSld name="Title Slide">
     <p:spTree>
       <p:nvGrpSpPr>
@@ -130,31 +131,113 @@
       </p:grpSpPr>
       <p:sp>
         <p:nvSpPr>
-          <p:cNvPr id="2" name="Title 1">
-            <a:extLst>
-              <a:ext uri="{FF2B5EF4-FFF2-40B4-BE49-F238E27FC236}">
-                <a16:creationId xmlns:a16="http://schemas.microsoft.com/office/drawing/2014/main" id="{93826490-DCF2-4F3A-B6BE-B3FFBB120E31}"/>
-              </a:ext>
-            </a:extLst>
-          </p:cNvPr>
-          <p:cNvSpPr>
-            <a:spLocks noGrp="1"/>
-          </p:cNvSpPr>
-          <p:nvPr>
-            <p:ph type="ctrTitle"/>
-          </p:nvPr>
+          <p:cNvPr id="7" name="Rectangle 6"/>
+          <p:cNvSpPr/>
+          <p:nvPr/>
         </p:nvSpPr>
         <p:spPr>
           <a:xfrm>
-            <a:off x="1524000" y="1122363"/>
-            <a:ext cx="9144000" cy="2387600"/>
+            <a:off x="1" y="6400800"/>
+            <a:ext cx="12192000" cy="457200"/>
+          </a:xfrm>
+          <a:prstGeom prst="rect">
+            <a:avLst/>
+          </a:prstGeom>
+          <a:solidFill>
+            <a:schemeClr val="accent2"/>
+          </a:solidFill>
+          <a:ln>
+            <a:noFill/>
+          </a:ln>
+        </p:spPr>
+        <p:style>
+          <a:lnRef idx="2">
+            <a:schemeClr val="accent1">
+              <a:shade val="50000"/>
+            </a:schemeClr>
+          </a:lnRef>
+          <a:fillRef idx="1">
+            <a:schemeClr val="accent1"/>
+          </a:fillRef>
+          <a:effectRef idx="0">
+            <a:schemeClr val="accent1"/>
+          </a:effectRef>
+          <a:fontRef idx="minor">
+            <a:schemeClr val="lt1"/>
+          </a:fontRef>
+        </p:style>
+      </p:sp>
+      <p:sp>
+        <p:nvSpPr>
+          <p:cNvPr id="8" name="Rectangle 7"/>
+          <p:cNvSpPr/>
+          <p:nvPr/>
+        </p:nvSpPr>
+        <p:spPr>
+          <a:xfrm>
+            <a:off x="1" y="6334316"/>
+            <a:ext cx="12192000" cy="66484"/>
+          </a:xfrm>
+          <a:prstGeom prst="rect">
+            <a:avLst/>
+          </a:prstGeom>
+          <a:solidFill>
+            <a:schemeClr val="accent1"/>
+          </a:solidFill>
+          <a:ln>
+            <a:noFill/>
+          </a:ln>
+        </p:spPr>
+        <p:style>
+          <a:lnRef idx="2">
+            <a:schemeClr val="accent1">
+              <a:shade val="50000"/>
+            </a:schemeClr>
+          </a:lnRef>
+          <a:fillRef idx="1">
+            <a:schemeClr val="accent1"/>
+          </a:fillRef>
+          <a:effectRef idx="0">
+            <a:schemeClr val="accent1"/>
+          </a:effectRef>
+          <a:fontRef idx="minor">
+            <a:schemeClr val="lt1"/>
+          </a:fontRef>
+        </p:style>
+      </p:sp>
+      <p:sp>
+        <p:nvSpPr>
+          <p:cNvPr id="2" name="Title 1"/>
+          <p:cNvSpPr>
+            <a:spLocks noGrp="1"/>
+          </p:cNvSpPr>
+          <p:nvPr>
+            <p:ph type="ctrTitle"/>
+          </p:nvPr>
+        </p:nvSpPr>
+        <p:spPr>
+          <a:xfrm>
+            <a:off x="1097280" y="758952"/>
+            <a:ext cx="10058400" cy="3566160"/>
           </a:xfrm>
         </p:spPr>
         <p:txBody>
-          <a:bodyPr anchor="b"/>
+          <a:bodyPr anchor="b">
+            <a:normAutofit/>
+          </a:bodyPr>
           <a:lstStyle>
-            <a:lvl1pPr algn="ctr">
-              <a:defRPr sz="6000"/>
+            <a:lvl1pPr algn="l">
+              <a:lnSpc>
+                <a:spcPct val="85000"/>
+              </a:lnSpc>
+              <a:defRPr sz="8000" spc="-50" baseline="0">
+                <a:solidFill>
+                  <a:schemeClr val="tx1">
+                    <a:lumMod val="85000"/>
+                    <a:lumOff val="15000"/>
+                  </a:schemeClr>
+                </a:solidFill>
+              </a:defRPr>
             </a:lvl1pPr>
           </a:lstStyle>
           <a:p>
@@ -162,18 +245,13 @@
               <a:rPr lang="en-US"/>
               <a:t>Click to edit Master title style</a:t>
             </a:r>
-          </a:p>
-        </p:txBody>
-      </p:sp>
-      <p:sp>
-        <p:nvSpPr>
-          <p:cNvPr id="3" name="Subtitle 2">
-            <a:extLst>
-              <a:ext uri="{FF2B5EF4-FFF2-40B4-BE49-F238E27FC236}">
-                <a16:creationId xmlns:a16="http://schemas.microsoft.com/office/drawing/2014/main" id="{F94CD83C-2C8C-4BA1-B6CE-583021687644}"/>
-              </a:ext>
-            </a:extLst>
-          </p:cNvPr>
+            <a:endParaRPr lang="en-US" dirty="0"/>
+          </a:p>
+        </p:txBody>
+      </p:sp>
+      <p:sp>
+        <p:nvSpPr>
+          <p:cNvPr id="3" name="Subtitle 2"/>
           <p:cNvSpPr>
             <a:spLocks noGrp="1"/>
           </p:cNvSpPr>
@@ -183,48 +261,55 @@
         </p:nvSpPr>
         <p:spPr>
           <a:xfrm>
-            <a:off x="1524000" y="3602038"/>
-            <a:ext cx="9144000" cy="1655762"/>
+            <a:off x="1100051" y="4455621"/>
+            <a:ext cx="10058400" cy="1143000"/>
           </a:xfrm>
         </p:spPr>
         <p:txBody>
-          <a:bodyPr/>
+          <a:bodyPr lIns="91440" rIns="91440">
+            <a:normAutofit/>
+          </a:bodyPr>
           <a:lstStyle>
-            <a:lvl1pPr marL="0" indent="0" algn="ctr">
-              <a:buNone/>
-              <a:defRPr sz="2400"/>
+            <a:lvl1pPr marL="0" indent="0" algn="l">
+              <a:buNone/>
+              <a:defRPr sz="2400" cap="all" spc="200" baseline="0">
+                <a:solidFill>
+                  <a:schemeClr val="tx2"/>
+                </a:solidFill>
+                <a:latin typeface="+mj-lt"/>
+              </a:defRPr>
             </a:lvl1pPr>
             <a:lvl2pPr marL="457200" indent="0" algn="ctr">
               <a:buNone/>
-              <a:defRPr sz="2000"/>
+              <a:defRPr sz="2400"/>
             </a:lvl2pPr>
             <a:lvl3pPr marL="914400" indent="0" algn="ctr">
               <a:buNone/>
-              <a:defRPr sz="1800"/>
+              <a:defRPr sz="2400"/>
             </a:lvl3pPr>
             <a:lvl4pPr marL="1371600" indent="0" algn="ctr">
               <a:buNone/>
-              <a:defRPr sz="1600"/>
+              <a:defRPr sz="2000"/>
             </a:lvl4pPr>
             <a:lvl5pPr marL="1828800" indent="0" algn="ctr">
               <a:buNone/>
-              <a:defRPr sz="1600"/>
+              <a:defRPr sz="2000"/>
             </a:lvl5pPr>
             <a:lvl6pPr marL="2286000" indent="0" algn="ctr">
               <a:buNone/>
-              <a:defRPr sz="1600"/>
+              <a:defRPr sz="2000"/>
             </a:lvl6pPr>
             <a:lvl7pPr marL="2743200" indent="0" algn="ctr">
               <a:buNone/>
-              <a:defRPr sz="1600"/>
+              <a:defRPr sz="2000"/>
             </a:lvl7pPr>
             <a:lvl8pPr marL="3200400" indent="0" algn="ctr">
               <a:buNone/>
-              <a:defRPr sz="1600"/>
+              <a:defRPr sz="2000"/>
             </a:lvl8pPr>
             <a:lvl9pPr marL="3657600" indent="0" algn="ctr">
               <a:buNone/>
-              <a:defRPr sz="1600"/>
+              <a:defRPr sz="2000"/>
             </a:lvl9pPr>
           </a:lstStyle>
           <a:p>
@@ -232,18 +317,13 @@
               <a:rPr lang="en-US"/>
               <a:t>Click to edit Master subtitle style</a:t>
             </a:r>
-          </a:p>
-        </p:txBody>
-      </p:sp>
-      <p:sp>
-        <p:nvSpPr>
-          <p:cNvPr id="4" name="Date Placeholder 3">
-            <a:extLst>
-              <a:ext uri="{FF2B5EF4-FFF2-40B4-BE49-F238E27FC236}">
-                <a16:creationId xmlns:a16="http://schemas.microsoft.com/office/drawing/2014/main" id="{441282A4-8271-490F-B071-8A918D45E8C6}"/>
-              </a:ext>
-            </a:extLst>
-          </p:cNvPr>
+            <a:endParaRPr lang="en-US" dirty="0"/>
+          </a:p>
+        </p:txBody>
+      </p:sp>
+      <p:sp>
+        <p:nvSpPr>
+          <p:cNvPr id="4" name="Date Placeholder 3"/>
           <p:cNvSpPr>
             <a:spLocks noGrp="1"/>
           </p:cNvSpPr>
@@ -266,13 +346,7 @@
       </p:sp>
       <p:sp>
         <p:nvSpPr>
-          <p:cNvPr id="5" name="Footer Placeholder 4">
-            <a:extLst>
-              <a:ext uri="{FF2B5EF4-FFF2-40B4-BE49-F238E27FC236}">
-                <a16:creationId xmlns:a16="http://schemas.microsoft.com/office/drawing/2014/main" id="{8EFE791C-CCBA-4D54-85F4-5D5C6F3728DA}"/>
-              </a:ext>
-            </a:extLst>
-          </p:cNvPr>
+          <p:cNvPr id="5" name="Footer Placeholder 4"/>
           <p:cNvSpPr>
             <a:spLocks noGrp="1"/>
           </p:cNvSpPr>
@@ -291,13 +365,7 @@
       </p:sp>
       <p:sp>
         <p:nvSpPr>
-          <p:cNvPr id="6" name="Slide Number Placeholder 5">
-            <a:extLst>
-              <a:ext uri="{FF2B5EF4-FFF2-40B4-BE49-F238E27FC236}">
-                <a16:creationId xmlns:a16="http://schemas.microsoft.com/office/drawing/2014/main" id="{06A2EA53-7D4E-434C-AED7-9351C232072E}"/>
-              </a:ext>
-            </a:extLst>
-          </p:cNvPr>
+          <p:cNvPr id="6" name="Slide Number Placeholder 5"/>
           <p:cNvSpPr>
             <a:spLocks noGrp="1"/>
           </p:cNvSpPr>
@@ -318,10 +386,48 @@
           </a:p>
         </p:txBody>
       </p:sp>
+      <p:cxnSp>
+        <p:nvCxnSpPr>
+          <p:cNvPr id="9" name="Straight Connector 8"/>
+          <p:cNvCxnSpPr/>
+          <p:nvPr/>
+        </p:nvCxnSpPr>
+        <p:spPr>
+          <a:xfrm>
+            <a:off x="1207658" y="4343400"/>
+            <a:ext cx="9875520" cy="0"/>
+          </a:xfrm>
+          <a:prstGeom prst="line">
+            <a:avLst/>
+          </a:prstGeom>
+          <a:ln w="6350">
+            <a:solidFill>
+              <a:schemeClr val="tx1">
+                <a:lumMod val="50000"/>
+                <a:lumOff val="50000"/>
+              </a:schemeClr>
+            </a:solidFill>
+          </a:ln>
+        </p:spPr>
+        <p:style>
+          <a:lnRef idx="1">
+            <a:schemeClr val="accent1"/>
+          </a:lnRef>
+          <a:fillRef idx="0">
+            <a:schemeClr val="accent1"/>
+          </a:fillRef>
+          <a:effectRef idx="0">
+            <a:schemeClr val="accent1"/>
+          </a:effectRef>
+          <a:fontRef idx="minor">
+            <a:schemeClr val="tx1"/>
+          </a:fontRef>
+        </p:style>
+      </p:cxnSp>
     </p:spTree>
     <p:extLst>
       <p:ext uri="{BB962C8B-B14F-4D97-AF65-F5344CB8AC3E}">
-        <p14:creationId xmlns:p14="http://schemas.microsoft.com/office/powerpoint/2010/main" val="1254905303"/>
+        <p14:creationId xmlns:p14="http://schemas.microsoft.com/office/powerpoint/2010/main" val="307367014"/>
       </p:ext>
     </p:extLst>
   </p:cSld>
@@ -350,13 +456,7 @@
       </p:grpSpPr>
       <p:sp>
         <p:nvSpPr>
-          <p:cNvPr id="2" name="Title 1">
-            <a:extLst>
-              <a:ext uri="{FF2B5EF4-FFF2-40B4-BE49-F238E27FC236}">
-                <a16:creationId xmlns:a16="http://schemas.microsoft.com/office/drawing/2014/main" id="{2A997745-714F-405D-9FE3-6664F6C705F6}"/>
-              </a:ext>
-            </a:extLst>
-          </p:cNvPr>
+          <p:cNvPr id="2" name="Title 1"/>
           <p:cNvSpPr>
             <a:spLocks noGrp="1"/>
           </p:cNvSpPr>
@@ -373,18 +473,13 @@
               <a:rPr lang="en-US"/>
               <a:t>Click to edit Master title style</a:t>
             </a:r>
-          </a:p>
-        </p:txBody>
-      </p:sp>
-      <p:sp>
-        <p:nvSpPr>
-          <p:cNvPr id="3" name="Vertical Text Placeholder 2">
-            <a:extLst>
-              <a:ext uri="{FF2B5EF4-FFF2-40B4-BE49-F238E27FC236}">
-                <a16:creationId xmlns:a16="http://schemas.microsoft.com/office/drawing/2014/main" id="{F6559E57-22B6-4FD9-B450-17EED3A4704C}"/>
-              </a:ext>
-            </a:extLst>
-          </p:cNvPr>
+            <a:endParaRPr lang="en-US" dirty="0"/>
+          </a:p>
+        </p:txBody>
+      </p:sp>
+      <p:sp>
+        <p:nvSpPr>
+          <p:cNvPr id="3" name="Vertical Text Placeholder 2"/>
           <p:cNvSpPr>
             <a:spLocks noGrp="1"/>
           </p:cNvSpPr>
@@ -394,7 +489,7 @@
         </p:nvSpPr>
         <p:spPr/>
         <p:txBody>
-          <a:bodyPr vert="eaVert"/>
+          <a:bodyPr vert="eaVert" lIns="45720" tIns="0" rIns="45720" bIns="0"/>
           <a:lstStyle/>
           <a:p>
             <a:pPr lvl="0"/>
@@ -430,18 +525,13 @@
               <a:rPr lang="en-US"/>
               <a:t>Fifth level</a:t>
             </a:r>
-          </a:p>
-        </p:txBody>
-      </p:sp>
-      <p:sp>
-        <p:nvSpPr>
-          <p:cNvPr id="4" name="Date Placeholder 3">
-            <a:extLst>
-              <a:ext uri="{FF2B5EF4-FFF2-40B4-BE49-F238E27FC236}">
-                <a16:creationId xmlns:a16="http://schemas.microsoft.com/office/drawing/2014/main" id="{59A2C423-ABE8-41D2-BC59-F814176983A6}"/>
-              </a:ext>
-            </a:extLst>
-          </p:cNvPr>
+            <a:endParaRPr lang="en-US" dirty="0"/>
+          </a:p>
+        </p:txBody>
+      </p:sp>
+      <p:sp>
+        <p:nvSpPr>
+          <p:cNvPr id="4" name="Date Placeholder 3"/>
           <p:cNvSpPr>
             <a:spLocks noGrp="1"/>
           </p:cNvSpPr>
@@ -464,13 +554,7 @@
       </p:sp>
       <p:sp>
         <p:nvSpPr>
-          <p:cNvPr id="5" name="Footer Placeholder 4">
-            <a:extLst>
-              <a:ext uri="{FF2B5EF4-FFF2-40B4-BE49-F238E27FC236}">
-                <a16:creationId xmlns:a16="http://schemas.microsoft.com/office/drawing/2014/main" id="{3C3807F3-BCB3-4B69-9771-AFC5039234BD}"/>
-              </a:ext>
-            </a:extLst>
-          </p:cNvPr>
+          <p:cNvPr id="5" name="Footer Placeholder 4"/>
           <p:cNvSpPr>
             <a:spLocks noGrp="1"/>
           </p:cNvSpPr>
@@ -489,13 +573,7 @@
       </p:sp>
       <p:sp>
         <p:nvSpPr>
-          <p:cNvPr id="6" name="Slide Number Placeholder 5">
-            <a:extLst>
-              <a:ext uri="{FF2B5EF4-FFF2-40B4-BE49-F238E27FC236}">
-                <a16:creationId xmlns:a16="http://schemas.microsoft.com/office/drawing/2014/main" id="{B55EACAC-1701-447F-B0F2-2692D56F5BEF}"/>
-              </a:ext>
-            </a:extLst>
-          </p:cNvPr>
+          <p:cNvPr id="6" name="Slide Number Placeholder 5"/>
           <p:cNvSpPr>
             <a:spLocks noGrp="1"/>
           </p:cNvSpPr>
@@ -519,7 +597,7 @@
     </p:spTree>
     <p:extLst>
       <p:ext uri="{BB962C8B-B14F-4D97-AF65-F5344CB8AC3E}">
-        <p14:creationId xmlns:p14="http://schemas.microsoft.com/office/powerpoint/2010/main" val="4173290380"/>
+        <p14:creationId xmlns:p14="http://schemas.microsoft.com/office/powerpoint/2010/main" val="1788795832"/>
       </p:ext>
     </p:extLst>
   </p:cSld>
@@ -530,7 +608,7 @@
 </file>
 
 <file path=ppt/slideLayouts/slideLayout11.xml><?xml version="1.0" encoding="utf-8"?>
-<p:sldLayout xmlns:a="http://schemas.openxmlformats.org/drawingml/2006/main" xmlns:r="http://schemas.openxmlformats.org/officeDocument/2006/relationships" xmlns:p="http://schemas.openxmlformats.org/presentationml/2006/main" type="vertTitleAndTx" preserve="1">
+<p:sldLayout xmlns:a="http://schemas.openxmlformats.org/drawingml/2006/main" xmlns:r="http://schemas.openxmlformats.org/officeDocument/2006/relationships" xmlns:p="http://schemas.openxmlformats.org/presentationml/2006/main" showMasterSp="0" type="vertTitleAndTx" preserve="1">
   <p:cSld name="Vertical Title and Text">
     <p:spTree>
       <p:nvGrpSpPr>
@@ -548,24 +626,94 @@
       </p:grpSpPr>
       <p:sp>
         <p:nvSpPr>
-          <p:cNvPr id="2" name="Vertical Title 1">
-            <a:extLst>
-              <a:ext uri="{FF2B5EF4-FFF2-40B4-BE49-F238E27FC236}">
-                <a16:creationId xmlns:a16="http://schemas.microsoft.com/office/drawing/2014/main" id="{9689A576-9DC4-4CFC-8E81-34921A9F03E0}"/>
-              </a:ext>
-            </a:extLst>
-          </p:cNvPr>
-          <p:cNvSpPr>
-            <a:spLocks noGrp="1"/>
-          </p:cNvSpPr>
-          <p:nvPr>
-            <p:ph type="title" orient="vert"/>
-          </p:nvPr>
+          <p:cNvPr id="7" name="Rectangle 6"/>
+          <p:cNvSpPr/>
+          <p:nvPr/>
         </p:nvSpPr>
         <p:spPr>
           <a:xfrm>
-            <a:off x="8724900" y="365125"/>
-            <a:ext cx="2628900" cy="5811838"/>
+            <a:off x="3175" y="6400800"/>
+            <a:ext cx="12188825" cy="457200"/>
+          </a:xfrm>
+          <a:prstGeom prst="rect">
+            <a:avLst/>
+          </a:prstGeom>
+          <a:solidFill>
+            <a:schemeClr val="accent2"/>
+          </a:solidFill>
+          <a:ln>
+            <a:noFill/>
+          </a:ln>
+        </p:spPr>
+        <p:style>
+          <a:lnRef idx="2">
+            <a:schemeClr val="accent1">
+              <a:shade val="50000"/>
+            </a:schemeClr>
+          </a:lnRef>
+          <a:fillRef idx="1">
+            <a:schemeClr val="accent1"/>
+          </a:fillRef>
+          <a:effectRef idx="0">
+            <a:schemeClr val="accent1"/>
+          </a:effectRef>
+          <a:fontRef idx="minor">
+            <a:schemeClr val="lt1"/>
+          </a:fontRef>
+        </p:style>
+      </p:sp>
+      <p:sp>
+        <p:nvSpPr>
+          <p:cNvPr id="8" name="Rectangle 7"/>
+          <p:cNvSpPr/>
+          <p:nvPr/>
+        </p:nvSpPr>
+        <p:spPr>
+          <a:xfrm>
+            <a:off x="15" y="6334316"/>
+            <a:ext cx="12188825" cy="64008"/>
+          </a:xfrm>
+          <a:prstGeom prst="rect">
+            <a:avLst/>
+          </a:prstGeom>
+          <a:solidFill>
+            <a:schemeClr val="accent1"/>
+          </a:solidFill>
+          <a:ln>
+            <a:noFill/>
+          </a:ln>
+        </p:spPr>
+        <p:style>
+          <a:lnRef idx="2">
+            <a:schemeClr val="accent1">
+              <a:shade val="50000"/>
+            </a:schemeClr>
+          </a:lnRef>
+          <a:fillRef idx="1">
+            <a:schemeClr val="accent1"/>
+          </a:fillRef>
+          <a:effectRef idx="0">
+            <a:schemeClr val="accent1"/>
+          </a:effectRef>
+          <a:fontRef idx="minor">
+            <a:schemeClr val="lt1"/>
+          </a:fontRef>
+        </p:style>
+      </p:sp>
+      <p:sp>
+        <p:nvSpPr>
+          <p:cNvPr id="2" name="Vertical Title 1"/>
+          <p:cNvSpPr>
+            <a:spLocks noGrp="1"/>
+          </p:cNvSpPr>
+          <p:nvPr>
+            <p:ph type="title" orient="vert"/>
+          </p:nvPr>
+        </p:nvSpPr>
+        <p:spPr>
+          <a:xfrm>
+            <a:off x="8724900" y="412302"/>
+            <a:ext cx="2628900" cy="5759898"/>
           </a:xfrm>
         </p:spPr>
         <p:txBody>
@@ -576,18 +724,13 @@
               <a:rPr lang="en-US"/>
               <a:t>Click to edit Master title style</a:t>
             </a:r>
-          </a:p>
-        </p:txBody>
-      </p:sp>
-      <p:sp>
-        <p:nvSpPr>
-          <p:cNvPr id="3" name="Vertical Text Placeholder 2">
-            <a:extLst>
-              <a:ext uri="{FF2B5EF4-FFF2-40B4-BE49-F238E27FC236}">
-                <a16:creationId xmlns:a16="http://schemas.microsoft.com/office/drawing/2014/main" id="{F4D1A580-B121-40EE-8DA2-ABE52344E718}"/>
-              </a:ext>
-            </a:extLst>
-          </p:cNvPr>
+            <a:endParaRPr lang="en-US" dirty="0"/>
+          </a:p>
+        </p:txBody>
+      </p:sp>
+      <p:sp>
+        <p:nvSpPr>
+          <p:cNvPr id="3" name="Vertical Text Placeholder 2"/>
           <p:cNvSpPr>
             <a:spLocks noGrp="1"/>
           </p:cNvSpPr>
@@ -597,12 +740,12 @@
         </p:nvSpPr>
         <p:spPr>
           <a:xfrm>
-            <a:off x="838200" y="365125"/>
-            <a:ext cx="7734300" cy="5811838"/>
+            <a:off x="838200" y="412302"/>
+            <a:ext cx="7734300" cy="5759898"/>
           </a:xfrm>
         </p:spPr>
         <p:txBody>
-          <a:bodyPr vert="eaVert"/>
+          <a:bodyPr vert="eaVert" lIns="45720" tIns="0" rIns="45720" bIns="0"/>
           <a:lstStyle/>
           <a:p>
             <a:pPr lvl="0"/>
@@ -638,18 +781,13 @@
               <a:rPr lang="en-US"/>
               <a:t>Fifth level</a:t>
             </a:r>
-          </a:p>
-        </p:txBody>
-      </p:sp>
-      <p:sp>
-        <p:nvSpPr>
-          <p:cNvPr id="4" name="Date Placeholder 3">
-            <a:extLst>
-              <a:ext uri="{FF2B5EF4-FFF2-40B4-BE49-F238E27FC236}">
-                <a16:creationId xmlns:a16="http://schemas.microsoft.com/office/drawing/2014/main" id="{E24CD152-76C5-46A8-B1C4-97AB274E585B}"/>
-              </a:ext>
-            </a:extLst>
-          </p:cNvPr>
+            <a:endParaRPr lang="en-US" dirty="0"/>
+          </a:p>
+        </p:txBody>
+      </p:sp>
+      <p:sp>
+        <p:nvSpPr>
+          <p:cNvPr id="4" name="Date Placeholder 3"/>
           <p:cNvSpPr>
             <a:spLocks noGrp="1"/>
           </p:cNvSpPr>
@@ -672,13 +810,7 @@
       </p:sp>
       <p:sp>
         <p:nvSpPr>
-          <p:cNvPr id="5" name="Footer Placeholder 4">
-            <a:extLst>
-              <a:ext uri="{FF2B5EF4-FFF2-40B4-BE49-F238E27FC236}">
-                <a16:creationId xmlns:a16="http://schemas.microsoft.com/office/drawing/2014/main" id="{22EB4617-9D34-4275-97E0-4B3C647776D9}"/>
-              </a:ext>
-            </a:extLst>
-          </p:cNvPr>
+          <p:cNvPr id="5" name="Footer Placeholder 4"/>
           <p:cNvSpPr>
             <a:spLocks noGrp="1"/>
           </p:cNvSpPr>
@@ -697,13 +829,7 @@
       </p:sp>
       <p:sp>
         <p:nvSpPr>
-          <p:cNvPr id="6" name="Slide Number Placeholder 5">
-            <a:extLst>
-              <a:ext uri="{FF2B5EF4-FFF2-40B4-BE49-F238E27FC236}">
-                <a16:creationId xmlns:a16="http://schemas.microsoft.com/office/drawing/2014/main" id="{0A587A80-F66E-4C7F-841E-3AC6341537BF}"/>
-              </a:ext>
-            </a:extLst>
-          </p:cNvPr>
+          <p:cNvPr id="6" name="Slide Number Placeholder 5"/>
           <p:cNvSpPr>
             <a:spLocks noGrp="1"/>
           </p:cNvSpPr>
@@ -727,7 +853,7 @@
     </p:spTree>
     <p:extLst>
       <p:ext uri="{BB962C8B-B14F-4D97-AF65-F5344CB8AC3E}">
-        <p14:creationId xmlns:p14="http://schemas.microsoft.com/office/powerpoint/2010/main" val="1226362362"/>
+        <p14:creationId xmlns:p14="http://schemas.microsoft.com/office/powerpoint/2010/main" val="2294886580"/>
       </p:ext>
     </p:extLst>
   </p:cSld>
@@ -756,13 +882,7 @@
       </p:grpSpPr>
       <p:sp>
         <p:nvSpPr>
-          <p:cNvPr id="2" name="Title 1">
-            <a:extLst>
-              <a:ext uri="{FF2B5EF4-FFF2-40B4-BE49-F238E27FC236}">
-                <a16:creationId xmlns:a16="http://schemas.microsoft.com/office/drawing/2014/main" id="{4CE5EAD9-CB8B-437C-9E37-CC475F07BA74}"/>
-              </a:ext>
-            </a:extLst>
-          </p:cNvPr>
+          <p:cNvPr id="2" name="Title 1"/>
           <p:cNvSpPr>
             <a:spLocks noGrp="1"/>
           </p:cNvSpPr>
@@ -779,18 +899,13 @@
               <a:rPr lang="en-US"/>
               <a:t>Click to edit Master title style</a:t>
             </a:r>
-          </a:p>
-        </p:txBody>
-      </p:sp>
-      <p:sp>
-        <p:nvSpPr>
-          <p:cNvPr id="3" name="Content Placeholder 2">
-            <a:extLst>
-              <a:ext uri="{FF2B5EF4-FFF2-40B4-BE49-F238E27FC236}">
-                <a16:creationId xmlns:a16="http://schemas.microsoft.com/office/drawing/2014/main" id="{C4B03C8B-9C1A-4FAC-806B-97B025F91D19}"/>
-              </a:ext>
-            </a:extLst>
-          </p:cNvPr>
+            <a:endParaRPr lang="en-US" dirty="0"/>
+          </a:p>
+        </p:txBody>
+      </p:sp>
+      <p:sp>
+        <p:nvSpPr>
+          <p:cNvPr id="3" name="Content Placeholder 2"/>
           <p:cNvSpPr>
             <a:spLocks noGrp="1"/>
           </p:cNvSpPr>
@@ -836,18 +951,13 @@
               <a:rPr lang="en-US"/>
               <a:t>Fifth level</a:t>
             </a:r>
-          </a:p>
-        </p:txBody>
-      </p:sp>
-      <p:sp>
-        <p:nvSpPr>
-          <p:cNvPr id="4" name="Date Placeholder 3">
-            <a:extLst>
-              <a:ext uri="{FF2B5EF4-FFF2-40B4-BE49-F238E27FC236}">
-                <a16:creationId xmlns:a16="http://schemas.microsoft.com/office/drawing/2014/main" id="{DFD5D186-46DF-4D72-BA02-D94D4BBCE31D}"/>
-              </a:ext>
-            </a:extLst>
-          </p:cNvPr>
+            <a:endParaRPr lang="en-US" dirty="0"/>
+          </a:p>
+        </p:txBody>
+      </p:sp>
+      <p:sp>
+        <p:nvSpPr>
+          <p:cNvPr id="4" name="Date Placeholder 3"/>
           <p:cNvSpPr>
             <a:spLocks noGrp="1"/>
           </p:cNvSpPr>
@@ -870,13 +980,7 @@
       </p:sp>
       <p:sp>
         <p:nvSpPr>
-          <p:cNvPr id="5" name="Footer Placeholder 4">
-            <a:extLst>
-              <a:ext uri="{FF2B5EF4-FFF2-40B4-BE49-F238E27FC236}">
-                <a16:creationId xmlns:a16="http://schemas.microsoft.com/office/drawing/2014/main" id="{52C23282-2019-41CA-9616-AC13FA1CC9B8}"/>
-              </a:ext>
-            </a:extLst>
-          </p:cNvPr>
+          <p:cNvPr id="5" name="Footer Placeholder 4"/>
           <p:cNvSpPr>
             <a:spLocks noGrp="1"/>
           </p:cNvSpPr>
@@ -895,13 +999,7 @@
       </p:sp>
       <p:sp>
         <p:nvSpPr>
-          <p:cNvPr id="6" name="Slide Number Placeholder 5">
-            <a:extLst>
-              <a:ext uri="{FF2B5EF4-FFF2-40B4-BE49-F238E27FC236}">
-                <a16:creationId xmlns:a16="http://schemas.microsoft.com/office/drawing/2014/main" id="{361E8620-7EFF-413B-A6FB-573E0D8E6ADD}"/>
-              </a:ext>
-            </a:extLst>
-          </p:cNvPr>
+          <p:cNvPr id="6" name="Slide Number Placeholder 5"/>
           <p:cNvSpPr>
             <a:spLocks noGrp="1"/>
           </p:cNvSpPr>
@@ -925,7 +1023,7 @@
     </p:spTree>
     <p:extLst>
       <p:ext uri="{BB962C8B-B14F-4D97-AF65-F5344CB8AC3E}">
-        <p14:creationId xmlns:p14="http://schemas.microsoft.com/office/powerpoint/2010/main" val="3314913357"/>
+        <p14:creationId xmlns:p14="http://schemas.microsoft.com/office/powerpoint/2010/main" val="401396347"/>
       </p:ext>
     </p:extLst>
   </p:cSld>
@@ -936,8 +1034,16 @@
 </file>
 
 <file path=ppt/slideLayouts/slideLayout3.xml><?xml version="1.0" encoding="utf-8"?>
-<p:sldLayout xmlns:a="http://schemas.openxmlformats.org/drawingml/2006/main" xmlns:r="http://schemas.openxmlformats.org/officeDocument/2006/relationships" xmlns:p="http://schemas.openxmlformats.org/presentationml/2006/main" type="secHead" preserve="1">
+<p:sldLayout xmlns:a="http://schemas.openxmlformats.org/drawingml/2006/main" xmlns:r="http://schemas.openxmlformats.org/officeDocument/2006/relationships" xmlns:p="http://schemas.openxmlformats.org/presentationml/2006/main" showMasterSp="0" type="secHead" preserve="1">
   <p:cSld name="Section Header">
+    <p:bg>
+      <p:bgPr>
+        <a:solidFill>
+          <a:schemeClr val="bg1"/>
+        </a:solidFill>
+        <a:effectLst/>
+      </p:bgPr>
+    </p:bg>
     <p:spTree>
       <p:nvGrpSpPr>
         <p:cNvPr id="1" name=""/>
@@ -954,79 +1060,157 @@
       </p:grpSpPr>
       <p:sp>
         <p:nvSpPr>
-          <p:cNvPr id="2" name="Title 1">
-            <a:extLst>
-              <a:ext uri="{FF2B5EF4-FFF2-40B4-BE49-F238E27FC236}">
-                <a16:creationId xmlns:a16="http://schemas.microsoft.com/office/drawing/2014/main" id="{FFF8F1D6-E97A-437D-BDC6-FD4BB613BEF6}"/>
-              </a:ext>
-            </a:extLst>
-          </p:cNvPr>
-          <p:cNvSpPr>
-            <a:spLocks noGrp="1"/>
-          </p:cNvSpPr>
-          <p:nvPr>
-            <p:ph type="title"/>
-          </p:nvPr>
+          <p:cNvPr id="7" name="Rectangle 6"/>
+          <p:cNvSpPr/>
+          <p:nvPr/>
         </p:nvSpPr>
         <p:spPr>
           <a:xfrm>
-            <a:off x="831850" y="1709738"/>
-            <a:ext cx="10515600" cy="2852737"/>
+            <a:off x="3175" y="6400800"/>
+            <a:ext cx="12188825" cy="457200"/>
+          </a:xfrm>
+          <a:prstGeom prst="rect">
+            <a:avLst/>
+          </a:prstGeom>
+          <a:solidFill>
+            <a:schemeClr val="accent2"/>
+          </a:solidFill>
+          <a:ln>
+            <a:noFill/>
+          </a:ln>
+        </p:spPr>
+        <p:style>
+          <a:lnRef idx="2">
+            <a:schemeClr val="accent1">
+              <a:shade val="50000"/>
+            </a:schemeClr>
+          </a:lnRef>
+          <a:fillRef idx="1">
+            <a:schemeClr val="accent1"/>
+          </a:fillRef>
+          <a:effectRef idx="0">
+            <a:schemeClr val="accent1"/>
+          </a:effectRef>
+          <a:fontRef idx="minor">
+            <a:schemeClr val="lt1"/>
+          </a:fontRef>
+        </p:style>
+      </p:sp>
+      <p:sp>
+        <p:nvSpPr>
+          <p:cNvPr id="8" name="Rectangle 7"/>
+          <p:cNvSpPr/>
+          <p:nvPr/>
+        </p:nvSpPr>
+        <p:spPr>
+          <a:xfrm>
+            <a:off x="15" y="6334316"/>
+            <a:ext cx="12188825" cy="64008"/>
+          </a:xfrm>
+          <a:prstGeom prst="rect">
+            <a:avLst/>
+          </a:prstGeom>
+          <a:solidFill>
+            <a:schemeClr val="accent1"/>
+          </a:solidFill>
+          <a:ln>
+            <a:noFill/>
+          </a:ln>
+        </p:spPr>
+        <p:style>
+          <a:lnRef idx="2">
+            <a:schemeClr val="accent1">
+              <a:shade val="50000"/>
+            </a:schemeClr>
+          </a:lnRef>
+          <a:fillRef idx="1">
+            <a:schemeClr val="accent1"/>
+          </a:fillRef>
+          <a:effectRef idx="0">
+            <a:schemeClr val="accent1"/>
+          </a:effectRef>
+          <a:fontRef idx="minor">
+            <a:schemeClr val="lt1"/>
+          </a:fontRef>
+        </p:style>
+      </p:sp>
+      <p:sp>
+        <p:nvSpPr>
+          <p:cNvPr id="2" name="Title 1"/>
+          <p:cNvSpPr>
+            <a:spLocks noGrp="1"/>
+          </p:cNvSpPr>
+          <p:nvPr>
+            <p:ph type="title"/>
+          </p:nvPr>
+        </p:nvSpPr>
+        <p:spPr>
+          <a:xfrm>
+            <a:off x="1097280" y="758952"/>
+            <a:ext cx="10058400" cy="3566160"/>
           </a:xfrm>
         </p:spPr>
         <p:txBody>
-          <a:bodyPr anchor="b"/>
+          <a:bodyPr anchor="b" anchorCtr="0">
+            <a:normAutofit/>
+          </a:bodyPr>
           <a:lstStyle>
             <a:lvl1pPr>
-              <a:defRPr sz="6000"/>
-            </a:lvl1pPr>
-          </a:lstStyle>
-          <a:p>
-            <a:r>
-              <a:rPr lang="en-US"/>
-              <a:t>Click to edit Master title style</a:t>
-            </a:r>
-          </a:p>
-        </p:txBody>
-      </p:sp>
-      <p:sp>
-        <p:nvSpPr>
-          <p:cNvPr id="3" name="Text Placeholder 2">
-            <a:extLst>
-              <a:ext uri="{FF2B5EF4-FFF2-40B4-BE49-F238E27FC236}">
-                <a16:creationId xmlns:a16="http://schemas.microsoft.com/office/drawing/2014/main" id="{6BA05E8C-84D2-4F02-A363-152411D6382A}"/>
-              </a:ext>
-            </a:extLst>
-          </p:cNvPr>
-          <p:cNvSpPr>
-            <a:spLocks noGrp="1"/>
-          </p:cNvSpPr>
-          <p:nvPr>
-            <p:ph type="body" idx="1"/>
-          </p:nvPr>
-        </p:nvSpPr>
-        <p:spPr>
-          <a:xfrm>
-            <a:off x="831850" y="4589463"/>
-            <a:ext cx="10515600" cy="1500187"/>
-          </a:xfrm>
-        </p:spPr>
-        <p:txBody>
-          <a:bodyPr/>
-          <a:lstStyle>
-            <a:lvl1pPr marL="0" indent="0">
-              <a:buNone/>
-              <a:defRPr sz="2400">
+              <a:lnSpc>
+                <a:spcPct val="85000"/>
+              </a:lnSpc>
+              <a:defRPr sz="8000" b="0">
                 <a:solidFill>
                   <a:schemeClr val="tx1">
-                    <a:tint val="75000"/>
+                    <a:lumMod val="85000"/>
+                    <a:lumOff val="15000"/>
                   </a:schemeClr>
                 </a:solidFill>
               </a:defRPr>
             </a:lvl1pPr>
+          </a:lstStyle>
+          <a:p>
+            <a:r>
+              <a:rPr lang="en-US"/>
+              <a:t>Click to edit Master title style</a:t>
+            </a:r>
+            <a:endParaRPr lang="en-US" dirty="0"/>
+          </a:p>
+        </p:txBody>
+      </p:sp>
+      <p:sp>
+        <p:nvSpPr>
+          <p:cNvPr id="3" name="Text Placeholder 2"/>
+          <p:cNvSpPr>
+            <a:spLocks noGrp="1"/>
+          </p:cNvSpPr>
+          <p:nvPr>
+            <p:ph type="body" idx="1"/>
+          </p:nvPr>
+        </p:nvSpPr>
+        <p:spPr>
+          <a:xfrm>
+            <a:off x="1097280" y="4453128"/>
+            <a:ext cx="10058400" cy="1143000"/>
+          </a:xfrm>
+        </p:spPr>
+        <p:txBody>
+          <a:bodyPr lIns="91440" rIns="91440" anchor="t" anchorCtr="0">
+            <a:normAutofit/>
+          </a:bodyPr>
+          <a:lstStyle>
+            <a:lvl1pPr marL="0" indent="0">
+              <a:buNone/>
+              <a:defRPr sz="2400" cap="all" spc="200" baseline="0">
+                <a:solidFill>
+                  <a:schemeClr val="tx2"/>
+                </a:solidFill>
+                <a:latin typeface="+mj-lt"/>
+              </a:defRPr>
+            </a:lvl1pPr>
             <a:lvl2pPr marL="457200" indent="0">
               <a:buNone/>
-              <a:defRPr sz="2000">
+              <a:defRPr sz="1800">
                 <a:solidFill>
                   <a:schemeClr val="tx1">
                     <a:tint val="75000"/>
@@ -1036,7 +1220,7 @@
             </a:lvl2pPr>
             <a:lvl3pPr marL="914400" indent="0">
               <a:buNone/>
-              <a:defRPr sz="1800">
+              <a:defRPr sz="1600">
                 <a:solidFill>
                   <a:schemeClr val="tx1">
                     <a:tint val="75000"/>
@@ -1046,7 +1230,7 @@
             </a:lvl3pPr>
             <a:lvl4pPr marL="1371600" indent="0">
               <a:buNone/>
-              <a:defRPr sz="1600">
+              <a:defRPr sz="1400">
                 <a:solidFill>
                   <a:schemeClr val="tx1">
                     <a:tint val="75000"/>
@@ -1056,7 +1240,7 @@
             </a:lvl4pPr>
             <a:lvl5pPr marL="1828800" indent="0">
               <a:buNone/>
-              <a:defRPr sz="1600">
+              <a:defRPr sz="1400">
                 <a:solidFill>
                   <a:schemeClr val="tx1">
                     <a:tint val="75000"/>
@@ -1066,7 +1250,7 @@
             </a:lvl5pPr>
             <a:lvl6pPr marL="2286000" indent="0">
               <a:buNone/>
-              <a:defRPr sz="1600">
+              <a:defRPr sz="1400">
                 <a:solidFill>
                   <a:schemeClr val="tx1">
                     <a:tint val="75000"/>
@@ -1076,7 +1260,7 @@
             </a:lvl6pPr>
             <a:lvl7pPr marL="2743200" indent="0">
               <a:buNone/>
-              <a:defRPr sz="1600">
+              <a:defRPr sz="1400">
                 <a:solidFill>
                   <a:schemeClr val="tx1">
                     <a:tint val="75000"/>
@@ -1086,7 +1270,7 @@
             </a:lvl7pPr>
             <a:lvl8pPr marL="3200400" indent="0">
               <a:buNone/>
-              <a:defRPr sz="1600">
+              <a:defRPr sz="1400">
                 <a:solidFill>
                   <a:schemeClr val="tx1">
                     <a:tint val="75000"/>
@@ -1096,7 +1280,7 @@
             </a:lvl8pPr>
             <a:lvl9pPr marL="3657600" indent="0">
               <a:buNone/>
-              <a:defRPr sz="1600">
+              <a:defRPr sz="1400">
                 <a:solidFill>
                   <a:schemeClr val="tx1">
                     <a:tint val="75000"/>
@@ -1116,13 +1300,7 @@
       </p:sp>
       <p:sp>
         <p:nvSpPr>
-          <p:cNvPr id="4" name="Date Placeholder 3">
-            <a:extLst>
-              <a:ext uri="{FF2B5EF4-FFF2-40B4-BE49-F238E27FC236}">
-                <a16:creationId xmlns:a16="http://schemas.microsoft.com/office/drawing/2014/main" id="{D6ABFB37-A82C-4CC7-9955-C6EE695A2469}"/>
-              </a:ext>
-            </a:extLst>
-          </p:cNvPr>
+          <p:cNvPr id="4" name="Date Placeholder 3"/>
           <p:cNvSpPr>
             <a:spLocks noGrp="1"/>
           </p:cNvSpPr>
@@ -1145,13 +1323,7 @@
       </p:sp>
       <p:sp>
         <p:nvSpPr>
-          <p:cNvPr id="5" name="Footer Placeholder 4">
-            <a:extLst>
-              <a:ext uri="{FF2B5EF4-FFF2-40B4-BE49-F238E27FC236}">
-                <a16:creationId xmlns:a16="http://schemas.microsoft.com/office/drawing/2014/main" id="{116D1C44-59A7-4A15-BEDA-92BC2FF03573}"/>
-              </a:ext>
-            </a:extLst>
-          </p:cNvPr>
+          <p:cNvPr id="5" name="Footer Placeholder 4"/>
           <p:cNvSpPr>
             <a:spLocks noGrp="1"/>
           </p:cNvSpPr>
@@ -1170,13 +1342,7 @@
       </p:sp>
       <p:sp>
         <p:nvSpPr>
-          <p:cNvPr id="6" name="Slide Number Placeholder 5">
-            <a:extLst>
-              <a:ext uri="{FF2B5EF4-FFF2-40B4-BE49-F238E27FC236}">
-                <a16:creationId xmlns:a16="http://schemas.microsoft.com/office/drawing/2014/main" id="{840ED7AB-047C-4AAC-820E-327E9E18487F}"/>
-              </a:ext>
-            </a:extLst>
-          </p:cNvPr>
+          <p:cNvPr id="6" name="Slide Number Placeholder 5"/>
           <p:cNvSpPr>
             <a:spLocks noGrp="1"/>
           </p:cNvSpPr>
@@ -1197,10 +1363,48 @@
           </a:p>
         </p:txBody>
       </p:sp>
+      <p:cxnSp>
+        <p:nvCxnSpPr>
+          <p:cNvPr id="9" name="Straight Connector 8"/>
+          <p:cNvCxnSpPr/>
+          <p:nvPr/>
+        </p:nvCxnSpPr>
+        <p:spPr>
+          <a:xfrm>
+            <a:off x="1207658" y="4343400"/>
+            <a:ext cx="9875520" cy="0"/>
+          </a:xfrm>
+          <a:prstGeom prst="line">
+            <a:avLst/>
+          </a:prstGeom>
+          <a:ln w="6350">
+            <a:solidFill>
+              <a:schemeClr val="tx1">
+                <a:lumMod val="50000"/>
+                <a:lumOff val="50000"/>
+              </a:schemeClr>
+            </a:solidFill>
+          </a:ln>
+        </p:spPr>
+        <p:style>
+          <a:lnRef idx="1">
+            <a:schemeClr val="accent1"/>
+          </a:lnRef>
+          <a:fillRef idx="0">
+            <a:schemeClr val="accent1"/>
+          </a:fillRef>
+          <a:effectRef idx="0">
+            <a:schemeClr val="accent1"/>
+          </a:effectRef>
+          <a:fontRef idx="minor">
+            <a:schemeClr val="tx1"/>
+          </a:fontRef>
+        </p:style>
+      </p:cxnSp>
     </p:spTree>
     <p:extLst>
       <p:ext uri="{BB962C8B-B14F-4D97-AF65-F5344CB8AC3E}">
-        <p14:creationId xmlns:p14="http://schemas.microsoft.com/office/powerpoint/2010/main" val="2262516051"/>
+        <p14:creationId xmlns:p14="http://schemas.microsoft.com/office/powerpoint/2010/main" val="2861428881"/>
       </p:ext>
     </p:extLst>
   </p:cSld>
@@ -1229,114 +1433,46 @@
       </p:grpSpPr>
       <p:sp>
         <p:nvSpPr>
-          <p:cNvPr id="2" name="Title 1">
-            <a:extLst>
-              <a:ext uri="{FF2B5EF4-FFF2-40B4-BE49-F238E27FC236}">
-                <a16:creationId xmlns:a16="http://schemas.microsoft.com/office/drawing/2014/main" id="{E8E75267-57C8-403C-8774-A42DFA6C90A5}"/>
-              </a:ext>
-            </a:extLst>
-          </p:cNvPr>
+          <p:cNvPr id="8" name="Title 7"/>
           <p:cNvSpPr>
             <a:spLocks noGrp="1"/>
           </p:cNvSpPr>
           <p:nvPr>
             <p:ph type="title"/>
-          </p:nvPr>
-        </p:nvSpPr>
-        <p:spPr/>
-        <p:txBody>
-          <a:bodyPr/>
-          <a:lstStyle/>
-          <a:p>
-            <a:r>
-              <a:rPr lang="en-US"/>
-              <a:t>Click to edit Master title style</a:t>
-            </a:r>
-          </a:p>
-        </p:txBody>
-      </p:sp>
-      <p:sp>
-        <p:nvSpPr>
-          <p:cNvPr id="3" name="Content Placeholder 2">
-            <a:extLst>
-              <a:ext uri="{FF2B5EF4-FFF2-40B4-BE49-F238E27FC236}">
-                <a16:creationId xmlns:a16="http://schemas.microsoft.com/office/drawing/2014/main" id="{E0D62ED9-5E59-41E2-89C6-D07191819A54}"/>
-              </a:ext>
-            </a:extLst>
-          </p:cNvPr>
-          <p:cNvSpPr>
-            <a:spLocks noGrp="1"/>
-          </p:cNvSpPr>
-          <p:nvPr>
-            <p:ph sz="half" idx="1"/>
           </p:nvPr>
         </p:nvSpPr>
         <p:spPr>
           <a:xfrm>
-            <a:off x="838200" y="1825625"/>
-            <a:ext cx="5181600" cy="4351338"/>
+            <a:off x="1097280" y="286603"/>
+            <a:ext cx="10058400" cy="1450757"/>
           </a:xfrm>
         </p:spPr>
         <p:txBody>
           <a:bodyPr/>
           <a:lstStyle/>
           <a:p>
-            <a:pPr lvl="0"/>
-            <a:r>
-              <a:rPr lang="en-US"/>
-              <a:t>Edit Master text styles</a:t>
-            </a:r>
-          </a:p>
-          <a:p>
-            <a:pPr lvl="1"/>
-            <a:r>
-              <a:rPr lang="en-US"/>
-              <a:t>Second level</a:t>
-            </a:r>
-          </a:p>
-          <a:p>
-            <a:pPr lvl="2"/>
-            <a:r>
-              <a:rPr lang="en-US"/>
-              <a:t>Third level</a:t>
-            </a:r>
-          </a:p>
-          <a:p>
-            <a:pPr lvl="3"/>
-            <a:r>
-              <a:rPr lang="en-US"/>
-              <a:t>Fourth level</a:t>
-            </a:r>
-          </a:p>
-          <a:p>
-            <a:pPr lvl="4"/>
-            <a:r>
-              <a:rPr lang="en-US"/>
-              <a:t>Fifth level</a:t>
-            </a:r>
-          </a:p>
-        </p:txBody>
-      </p:sp>
-      <p:sp>
-        <p:nvSpPr>
-          <p:cNvPr id="4" name="Content Placeholder 3">
-            <a:extLst>
-              <a:ext uri="{FF2B5EF4-FFF2-40B4-BE49-F238E27FC236}">
-                <a16:creationId xmlns:a16="http://schemas.microsoft.com/office/drawing/2014/main" id="{10E8CB84-1447-468F-8F98-8BDC76CBDC5A}"/>
-              </a:ext>
-            </a:extLst>
-          </p:cNvPr>
-          <p:cNvSpPr>
-            <a:spLocks noGrp="1"/>
-          </p:cNvSpPr>
-          <p:nvPr>
-            <p:ph sz="half" idx="2"/>
+            <a:r>
+              <a:rPr lang="en-US"/>
+              <a:t>Click to edit Master title style</a:t>
+            </a:r>
+            <a:endParaRPr lang="en-US" dirty="0"/>
+          </a:p>
+        </p:txBody>
+      </p:sp>
+      <p:sp>
+        <p:nvSpPr>
+          <p:cNvPr id="3" name="Content Placeholder 2"/>
+          <p:cNvSpPr>
+            <a:spLocks noGrp="1"/>
+          </p:cNvSpPr>
+          <p:nvPr>
+            <p:ph sz="half" idx="1"/>
           </p:nvPr>
         </p:nvSpPr>
         <p:spPr>
           <a:xfrm>
-            <a:off x="6172200" y="1825625"/>
-            <a:ext cx="5181600" cy="4351338"/>
+            <a:off x="1097280" y="1845734"/>
+            <a:ext cx="4937760" cy="4023359"/>
           </a:xfrm>
         </p:spPr>
         <p:txBody>
@@ -1376,18 +1512,70 @@
               <a:rPr lang="en-US"/>
               <a:t>Fifth level</a:t>
             </a:r>
-          </a:p>
-        </p:txBody>
-      </p:sp>
-      <p:sp>
-        <p:nvSpPr>
-          <p:cNvPr id="5" name="Date Placeholder 4">
-            <a:extLst>
-              <a:ext uri="{FF2B5EF4-FFF2-40B4-BE49-F238E27FC236}">
-                <a16:creationId xmlns:a16="http://schemas.microsoft.com/office/drawing/2014/main" id="{0603BBBA-C5D4-4C91-A5FD-821315028CCD}"/>
-              </a:ext>
-            </a:extLst>
-          </p:cNvPr>
+            <a:endParaRPr lang="en-US" dirty="0"/>
+          </a:p>
+        </p:txBody>
+      </p:sp>
+      <p:sp>
+        <p:nvSpPr>
+          <p:cNvPr id="4" name="Content Placeholder 3"/>
+          <p:cNvSpPr>
+            <a:spLocks noGrp="1"/>
+          </p:cNvSpPr>
+          <p:nvPr>
+            <p:ph sz="half" idx="2"/>
+          </p:nvPr>
+        </p:nvSpPr>
+        <p:spPr>
+          <a:xfrm>
+            <a:off x="6217920" y="1845735"/>
+            <a:ext cx="4937760" cy="4023360"/>
+          </a:xfrm>
+        </p:spPr>
+        <p:txBody>
+          <a:bodyPr/>
+          <a:lstStyle/>
+          <a:p>
+            <a:pPr lvl="0"/>
+            <a:r>
+              <a:rPr lang="en-US"/>
+              <a:t>Edit Master text styles</a:t>
+            </a:r>
+          </a:p>
+          <a:p>
+            <a:pPr lvl="1"/>
+            <a:r>
+              <a:rPr lang="en-US"/>
+              <a:t>Second level</a:t>
+            </a:r>
+          </a:p>
+          <a:p>
+            <a:pPr lvl="2"/>
+            <a:r>
+              <a:rPr lang="en-US"/>
+              <a:t>Third level</a:t>
+            </a:r>
+          </a:p>
+          <a:p>
+            <a:pPr lvl="3"/>
+            <a:r>
+              <a:rPr lang="en-US"/>
+              <a:t>Fourth level</a:t>
+            </a:r>
+          </a:p>
+          <a:p>
+            <a:pPr lvl="4"/>
+            <a:r>
+              <a:rPr lang="en-US"/>
+              <a:t>Fifth level</a:t>
+            </a:r>
+            <a:endParaRPr lang="en-US" dirty="0"/>
+          </a:p>
+        </p:txBody>
+      </p:sp>
+      <p:sp>
+        <p:nvSpPr>
+          <p:cNvPr id="5" name="Date Placeholder 4"/>
           <p:cNvSpPr>
             <a:spLocks noGrp="1"/>
           </p:cNvSpPr>
@@ -1410,13 +1598,7 @@
       </p:sp>
       <p:sp>
         <p:nvSpPr>
-          <p:cNvPr id="6" name="Footer Placeholder 5">
-            <a:extLst>
-              <a:ext uri="{FF2B5EF4-FFF2-40B4-BE49-F238E27FC236}">
-                <a16:creationId xmlns:a16="http://schemas.microsoft.com/office/drawing/2014/main" id="{4D51B114-D9EB-4FB2-BDD9-DFA4C2718974}"/>
-              </a:ext>
-            </a:extLst>
-          </p:cNvPr>
+          <p:cNvPr id="6" name="Footer Placeholder 5"/>
           <p:cNvSpPr>
             <a:spLocks noGrp="1"/>
           </p:cNvSpPr>
@@ -1435,13 +1617,7 @@
       </p:sp>
       <p:sp>
         <p:nvSpPr>
-          <p:cNvPr id="7" name="Slide Number Placeholder 6">
-            <a:extLst>
-              <a:ext uri="{FF2B5EF4-FFF2-40B4-BE49-F238E27FC236}">
-                <a16:creationId xmlns:a16="http://schemas.microsoft.com/office/drawing/2014/main" id="{054A210C-B34B-4E08-9A35-787291764891}"/>
-              </a:ext>
-            </a:extLst>
-          </p:cNvPr>
+          <p:cNvPr id="7" name="Slide Number Placeholder 6"/>
           <p:cNvSpPr>
             <a:spLocks noGrp="1"/>
           </p:cNvSpPr>
@@ -1465,7 +1641,7 @@
     </p:spTree>
     <p:extLst>
       <p:ext uri="{BB962C8B-B14F-4D97-AF65-F5344CB8AC3E}">
-        <p14:creationId xmlns:p14="http://schemas.microsoft.com/office/powerpoint/2010/main" val="2801819922"/>
+        <p14:creationId xmlns:p14="http://schemas.microsoft.com/office/powerpoint/2010/main" val="3911142029"/>
       </p:ext>
     </p:extLst>
   </p:cSld>
@@ -1494,13 +1670,7 @@
       </p:grpSpPr>
       <p:sp>
         <p:nvSpPr>
-          <p:cNvPr id="2" name="Title 1">
-            <a:extLst>
-              <a:ext uri="{FF2B5EF4-FFF2-40B4-BE49-F238E27FC236}">
-                <a16:creationId xmlns:a16="http://schemas.microsoft.com/office/drawing/2014/main" id="{264FFB65-6D67-48D1-996E-2D3CB418E50B}"/>
-              </a:ext>
-            </a:extLst>
-          </p:cNvPr>
+          <p:cNvPr id="10" name="Title 9"/>
           <p:cNvSpPr>
             <a:spLocks noGrp="1"/>
           </p:cNvSpPr>
@@ -1510,8 +1680,8 @@
         </p:nvSpPr>
         <p:spPr>
           <a:xfrm>
-            <a:off x="839788" y="365125"/>
-            <a:ext cx="10515600" cy="1325563"/>
+            <a:off x="1097280" y="286603"/>
+            <a:ext cx="10058400" cy="1450757"/>
           </a:xfrm>
         </p:spPr>
         <p:txBody>
@@ -1522,18 +1692,13 @@
               <a:rPr lang="en-US"/>
               <a:t>Click to edit Master title style</a:t>
             </a:r>
-          </a:p>
-        </p:txBody>
-      </p:sp>
-      <p:sp>
-        <p:nvSpPr>
-          <p:cNvPr id="3" name="Text Placeholder 2">
-            <a:extLst>
-              <a:ext uri="{FF2B5EF4-FFF2-40B4-BE49-F238E27FC236}">
-                <a16:creationId xmlns:a16="http://schemas.microsoft.com/office/drawing/2014/main" id="{44151177-06A8-4E20-A3A5-D528C3056B80}"/>
-              </a:ext>
-            </a:extLst>
-          </p:cNvPr>
+            <a:endParaRPr lang="en-US" dirty="0"/>
+          </a:p>
+        </p:txBody>
+      </p:sp>
+      <p:sp>
+        <p:nvSpPr>
+          <p:cNvPr id="3" name="Text Placeholder 2"/>
           <p:cNvSpPr>
             <a:spLocks noGrp="1"/>
           </p:cNvSpPr>
@@ -1543,16 +1708,22 @@
         </p:nvSpPr>
         <p:spPr>
           <a:xfrm>
-            <a:off x="839788" y="1681163"/>
-            <a:ext cx="5157787" cy="823912"/>
+            <a:off x="1097280" y="1846052"/>
+            <a:ext cx="4937760" cy="736282"/>
           </a:xfrm>
         </p:spPr>
         <p:txBody>
-          <a:bodyPr anchor="b"/>
+          <a:bodyPr lIns="91440" rIns="91440" anchor="ctr">
+            <a:normAutofit/>
+          </a:bodyPr>
           <a:lstStyle>
             <a:lvl1pPr marL="0" indent="0">
               <a:buNone/>
-              <a:defRPr sz="2400" b="1"/>
+              <a:defRPr sz="2000" b="0" cap="all" baseline="0">
+                <a:solidFill>
+                  <a:schemeClr val="tx2"/>
+                </a:solidFill>
+              </a:defRPr>
             </a:lvl1pPr>
             <a:lvl2pPr marL="457200" indent="0">
               <a:buNone/>
@@ -1598,13 +1769,7 @@
       </p:sp>
       <p:sp>
         <p:nvSpPr>
-          <p:cNvPr id="4" name="Content Placeholder 3">
-            <a:extLst>
-              <a:ext uri="{FF2B5EF4-FFF2-40B4-BE49-F238E27FC236}">
-                <a16:creationId xmlns:a16="http://schemas.microsoft.com/office/drawing/2014/main" id="{88EC0A32-2024-4BB4-9E81-C33D755665AA}"/>
-              </a:ext>
-            </a:extLst>
-          </p:cNvPr>
+          <p:cNvPr id="4" name="Content Placeholder 3"/>
           <p:cNvSpPr>
             <a:spLocks noGrp="1"/>
           </p:cNvSpPr>
@@ -1614,8 +1779,8 @@
         </p:nvSpPr>
         <p:spPr>
           <a:xfrm>
-            <a:off x="839788" y="2505075"/>
-            <a:ext cx="5157787" cy="3684588"/>
+            <a:off x="1097280" y="2582335"/>
+            <a:ext cx="4937760" cy="3286760"/>
           </a:xfrm>
         </p:spPr>
         <p:txBody>
@@ -1655,18 +1820,13 @@
               <a:rPr lang="en-US"/>
               <a:t>Fifth level</a:t>
             </a:r>
-          </a:p>
-        </p:txBody>
-      </p:sp>
-      <p:sp>
-        <p:nvSpPr>
-          <p:cNvPr id="5" name="Text Placeholder 4">
-            <a:extLst>
-              <a:ext uri="{FF2B5EF4-FFF2-40B4-BE49-F238E27FC236}">
-                <a16:creationId xmlns:a16="http://schemas.microsoft.com/office/drawing/2014/main" id="{067303CF-11F3-43E8-A3AC-E90E0B3BC0BB}"/>
-              </a:ext>
-            </a:extLst>
-          </p:cNvPr>
+            <a:endParaRPr lang="en-US" dirty="0"/>
+          </a:p>
+        </p:txBody>
+      </p:sp>
+      <p:sp>
+        <p:nvSpPr>
+          <p:cNvPr id="5" name="Text Placeholder 4"/>
           <p:cNvSpPr>
             <a:spLocks noGrp="1"/>
           </p:cNvSpPr>
@@ -1676,16 +1836,22 @@
         </p:nvSpPr>
         <p:spPr>
           <a:xfrm>
-            <a:off x="6172200" y="1681163"/>
-            <a:ext cx="5183188" cy="823912"/>
+            <a:off x="6217920" y="1846052"/>
+            <a:ext cx="4937760" cy="736282"/>
           </a:xfrm>
         </p:spPr>
         <p:txBody>
-          <a:bodyPr anchor="b"/>
+          <a:bodyPr lIns="91440" rIns="91440" anchor="ctr">
+            <a:normAutofit/>
+          </a:bodyPr>
           <a:lstStyle>
             <a:lvl1pPr marL="0" indent="0">
               <a:buNone/>
-              <a:defRPr sz="2400" b="1"/>
+              <a:defRPr sz="2000" b="0" cap="all" baseline="0">
+                <a:solidFill>
+                  <a:schemeClr val="tx2"/>
+                </a:solidFill>
+              </a:defRPr>
             </a:lvl1pPr>
             <a:lvl2pPr marL="457200" indent="0">
               <a:buNone/>
@@ -1731,13 +1897,7 @@
       </p:sp>
       <p:sp>
         <p:nvSpPr>
-          <p:cNvPr id="6" name="Content Placeholder 5">
-            <a:extLst>
-              <a:ext uri="{FF2B5EF4-FFF2-40B4-BE49-F238E27FC236}">
-                <a16:creationId xmlns:a16="http://schemas.microsoft.com/office/drawing/2014/main" id="{A8334FFD-677A-43C0-99E4-A914DB38582F}"/>
-              </a:ext>
-            </a:extLst>
-          </p:cNvPr>
+          <p:cNvPr id="6" name="Content Placeholder 5"/>
           <p:cNvSpPr>
             <a:spLocks noGrp="1"/>
           </p:cNvSpPr>
@@ -1747,8 +1907,8 @@
         </p:nvSpPr>
         <p:spPr>
           <a:xfrm>
-            <a:off x="6172200" y="2505075"/>
-            <a:ext cx="5183188" cy="3684588"/>
+            <a:off x="6217920" y="2582334"/>
+            <a:ext cx="4937760" cy="3286760"/>
           </a:xfrm>
         </p:spPr>
         <p:txBody>
@@ -1788,18 +1948,13 @@
               <a:rPr lang="en-US"/>
               <a:t>Fifth level</a:t>
             </a:r>
-          </a:p>
-        </p:txBody>
-      </p:sp>
-      <p:sp>
-        <p:nvSpPr>
-          <p:cNvPr id="7" name="Date Placeholder 6">
-            <a:extLst>
-              <a:ext uri="{FF2B5EF4-FFF2-40B4-BE49-F238E27FC236}">
-                <a16:creationId xmlns:a16="http://schemas.microsoft.com/office/drawing/2014/main" id="{BA9E953C-7524-4A7E-ACB0-CFA34E61E91F}"/>
-              </a:ext>
-            </a:extLst>
-          </p:cNvPr>
+            <a:endParaRPr lang="en-US" dirty="0"/>
+          </a:p>
+        </p:txBody>
+      </p:sp>
+      <p:sp>
+        <p:nvSpPr>
+          <p:cNvPr id="7" name="Date Placeholder 6"/>
           <p:cNvSpPr>
             <a:spLocks noGrp="1"/>
           </p:cNvSpPr>
@@ -1822,13 +1977,7 @@
       </p:sp>
       <p:sp>
         <p:nvSpPr>
-          <p:cNvPr id="8" name="Footer Placeholder 7">
-            <a:extLst>
-              <a:ext uri="{FF2B5EF4-FFF2-40B4-BE49-F238E27FC236}">
-                <a16:creationId xmlns:a16="http://schemas.microsoft.com/office/drawing/2014/main" id="{FB02FD00-3AAD-460F-A731-2E6EECDB4C8A}"/>
-              </a:ext>
-            </a:extLst>
-          </p:cNvPr>
+          <p:cNvPr id="8" name="Footer Placeholder 7"/>
           <p:cNvSpPr>
             <a:spLocks noGrp="1"/>
           </p:cNvSpPr>
@@ -1847,13 +1996,7 @@
       </p:sp>
       <p:sp>
         <p:nvSpPr>
-          <p:cNvPr id="9" name="Slide Number Placeholder 8">
-            <a:extLst>
-              <a:ext uri="{FF2B5EF4-FFF2-40B4-BE49-F238E27FC236}">
-                <a16:creationId xmlns:a16="http://schemas.microsoft.com/office/drawing/2014/main" id="{C04A3C71-407F-49F5-A9E4-304786A34B9A}"/>
-              </a:ext>
-            </a:extLst>
-          </p:cNvPr>
+          <p:cNvPr id="9" name="Slide Number Placeholder 8"/>
           <p:cNvSpPr>
             <a:spLocks noGrp="1"/>
           </p:cNvSpPr>
@@ -1877,7 +2020,7 @@
     </p:spTree>
     <p:extLst>
       <p:ext uri="{BB962C8B-B14F-4D97-AF65-F5344CB8AC3E}">
-        <p14:creationId xmlns:p14="http://schemas.microsoft.com/office/powerpoint/2010/main" val="1848142206"/>
+        <p14:creationId xmlns:p14="http://schemas.microsoft.com/office/powerpoint/2010/main" val="153210941"/>
       </p:ext>
     </p:extLst>
   </p:cSld>
@@ -1906,13 +2049,7 @@
       </p:grpSpPr>
       <p:sp>
         <p:nvSpPr>
-          <p:cNvPr id="2" name="Title 1">
-            <a:extLst>
-              <a:ext uri="{FF2B5EF4-FFF2-40B4-BE49-F238E27FC236}">
-                <a16:creationId xmlns:a16="http://schemas.microsoft.com/office/drawing/2014/main" id="{D89E8BAE-2CB9-426B-9229-785F9F977E8D}"/>
-              </a:ext>
-            </a:extLst>
-          </p:cNvPr>
+          <p:cNvPr id="2" name="Title 1"/>
           <p:cNvSpPr>
             <a:spLocks noGrp="1"/>
           </p:cNvSpPr>
@@ -1929,18 +2066,13 @@
               <a:rPr lang="en-US"/>
               <a:t>Click to edit Master title style</a:t>
             </a:r>
-          </a:p>
-        </p:txBody>
-      </p:sp>
-      <p:sp>
-        <p:nvSpPr>
-          <p:cNvPr id="3" name="Date Placeholder 2">
-            <a:extLst>
-              <a:ext uri="{FF2B5EF4-FFF2-40B4-BE49-F238E27FC236}">
-                <a16:creationId xmlns:a16="http://schemas.microsoft.com/office/drawing/2014/main" id="{5F1322EA-8EC0-4F9E-9FB4-8DB7092875D7}"/>
-              </a:ext>
-            </a:extLst>
-          </p:cNvPr>
+            <a:endParaRPr lang="en-US" dirty="0"/>
+          </a:p>
+        </p:txBody>
+      </p:sp>
+      <p:sp>
+        <p:nvSpPr>
+          <p:cNvPr id="3" name="Date Placeholder 2"/>
           <p:cNvSpPr>
             <a:spLocks noGrp="1"/>
           </p:cNvSpPr>
@@ -1963,13 +2095,7 @@
       </p:sp>
       <p:sp>
         <p:nvSpPr>
-          <p:cNvPr id="4" name="Footer Placeholder 3">
-            <a:extLst>
-              <a:ext uri="{FF2B5EF4-FFF2-40B4-BE49-F238E27FC236}">
-                <a16:creationId xmlns:a16="http://schemas.microsoft.com/office/drawing/2014/main" id="{42F83896-637F-435C-A102-84404B90C9AF}"/>
-              </a:ext>
-            </a:extLst>
-          </p:cNvPr>
+          <p:cNvPr id="4" name="Footer Placeholder 3"/>
           <p:cNvSpPr>
             <a:spLocks noGrp="1"/>
           </p:cNvSpPr>
@@ -1988,13 +2114,7 @@
       </p:sp>
       <p:sp>
         <p:nvSpPr>
-          <p:cNvPr id="5" name="Slide Number Placeholder 4">
-            <a:extLst>
-              <a:ext uri="{FF2B5EF4-FFF2-40B4-BE49-F238E27FC236}">
-                <a16:creationId xmlns:a16="http://schemas.microsoft.com/office/drawing/2014/main" id="{A27E49E1-7474-49E5-83FB-C7C59B88C73F}"/>
-              </a:ext>
-            </a:extLst>
-          </p:cNvPr>
+          <p:cNvPr id="5" name="Slide Number Placeholder 4"/>
           <p:cNvSpPr>
             <a:spLocks noGrp="1"/>
           </p:cNvSpPr>
@@ -2018,7 +2138,7 @@
     </p:spTree>
     <p:extLst>
       <p:ext uri="{BB962C8B-B14F-4D97-AF65-F5344CB8AC3E}">
-        <p14:creationId xmlns:p14="http://schemas.microsoft.com/office/powerpoint/2010/main" val="1597657818"/>
+        <p14:creationId xmlns:p14="http://schemas.microsoft.com/office/powerpoint/2010/main" val="211167296"/>
       </p:ext>
     </p:extLst>
   </p:cSld>
@@ -2029,7 +2149,7 @@
 </file>
 
 <file path=ppt/slideLayouts/slideLayout7.xml><?xml version="1.0" encoding="utf-8"?>
-<p:sldLayout xmlns:a="http://schemas.openxmlformats.org/drawingml/2006/main" xmlns:r="http://schemas.openxmlformats.org/officeDocument/2006/relationships" xmlns:p="http://schemas.openxmlformats.org/presentationml/2006/main" type="blank" preserve="1">
+<p:sldLayout xmlns:a="http://schemas.openxmlformats.org/drawingml/2006/main" xmlns:r="http://schemas.openxmlformats.org/officeDocument/2006/relationships" xmlns:p="http://schemas.openxmlformats.org/presentationml/2006/main" showMasterSp="0" type="blank" preserve="1">
   <p:cSld name="Blank">
     <p:spTree>
       <p:nvGrpSpPr>
@@ -2047,13 +2167,83 @@
       </p:grpSpPr>
       <p:sp>
         <p:nvSpPr>
-          <p:cNvPr id="2" name="Date Placeholder 1">
-            <a:extLst>
-              <a:ext uri="{FF2B5EF4-FFF2-40B4-BE49-F238E27FC236}">
-                <a16:creationId xmlns:a16="http://schemas.microsoft.com/office/drawing/2014/main" id="{3A82C48F-BD73-4CF9-BABB-C4A5A0B5F88A}"/>
-              </a:ext>
-            </a:extLst>
-          </p:cNvPr>
+          <p:cNvPr id="5" name="Rectangle 4"/>
+          <p:cNvSpPr/>
+          <p:nvPr/>
+        </p:nvSpPr>
+        <p:spPr>
+          <a:xfrm>
+            <a:off x="3175" y="6400800"/>
+            <a:ext cx="12188825" cy="457200"/>
+          </a:xfrm>
+          <a:prstGeom prst="rect">
+            <a:avLst/>
+          </a:prstGeom>
+          <a:solidFill>
+            <a:schemeClr val="accent2"/>
+          </a:solidFill>
+          <a:ln>
+            <a:noFill/>
+          </a:ln>
+        </p:spPr>
+        <p:style>
+          <a:lnRef idx="2">
+            <a:schemeClr val="accent1">
+              <a:shade val="50000"/>
+            </a:schemeClr>
+          </a:lnRef>
+          <a:fillRef idx="1">
+            <a:schemeClr val="accent1"/>
+          </a:fillRef>
+          <a:effectRef idx="0">
+            <a:schemeClr val="accent1"/>
+          </a:effectRef>
+          <a:fontRef idx="minor">
+            <a:schemeClr val="lt1"/>
+          </a:fontRef>
+        </p:style>
+      </p:sp>
+      <p:sp>
+        <p:nvSpPr>
+          <p:cNvPr id="6" name="Rectangle 5"/>
+          <p:cNvSpPr/>
+          <p:nvPr/>
+        </p:nvSpPr>
+        <p:spPr>
+          <a:xfrm>
+            <a:off x="15" y="6334316"/>
+            <a:ext cx="12188825" cy="64008"/>
+          </a:xfrm>
+          <a:prstGeom prst="rect">
+            <a:avLst/>
+          </a:prstGeom>
+          <a:solidFill>
+            <a:schemeClr val="accent1"/>
+          </a:solidFill>
+          <a:ln>
+            <a:noFill/>
+          </a:ln>
+        </p:spPr>
+        <p:style>
+          <a:lnRef idx="2">
+            <a:schemeClr val="accent1">
+              <a:shade val="50000"/>
+            </a:schemeClr>
+          </a:lnRef>
+          <a:fillRef idx="1">
+            <a:schemeClr val="accent1"/>
+          </a:fillRef>
+          <a:effectRef idx="0">
+            <a:schemeClr val="accent1"/>
+          </a:effectRef>
+          <a:fontRef idx="minor">
+            <a:schemeClr val="lt1"/>
+          </a:fontRef>
+        </p:style>
+      </p:sp>
+      <p:sp>
+        <p:nvSpPr>
+          <p:cNvPr id="7" name="Date Placeholder 6"/>
           <p:cNvSpPr>
             <a:spLocks noGrp="1"/>
           </p:cNvSpPr>
@@ -2076,13 +2266,7 @@
       </p:sp>
       <p:sp>
         <p:nvSpPr>
-          <p:cNvPr id="3" name="Footer Placeholder 2">
-            <a:extLst>
-              <a:ext uri="{FF2B5EF4-FFF2-40B4-BE49-F238E27FC236}">
-                <a16:creationId xmlns:a16="http://schemas.microsoft.com/office/drawing/2014/main" id="{930BCCF7-BA91-4BF2-A483-6E43B2A90896}"/>
-              </a:ext>
-            </a:extLst>
-          </p:cNvPr>
+          <p:cNvPr id="8" name="Footer Placeholder 7"/>
           <p:cNvSpPr>
             <a:spLocks noGrp="1"/>
           </p:cNvSpPr>
@@ -2093,7 +2277,15 @@
         <p:spPr/>
         <p:txBody>
           <a:bodyPr/>
-          <a:lstStyle/>
+          <a:lstStyle>
+            <a:lvl1pPr>
+              <a:defRPr>
+                <a:solidFill>
+                  <a:srgbClr val="FFFFFF"/>
+                </a:solidFill>
+              </a:defRPr>
+            </a:lvl1pPr>
+          </a:lstStyle>
           <a:p>
             <a:endParaRPr lang="en-US"/>
           </a:p>
@@ -2101,13 +2293,7 @@
       </p:sp>
       <p:sp>
         <p:nvSpPr>
-          <p:cNvPr id="4" name="Slide Number Placeholder 3">
-            <a:extLst>
-              <a:ext uri="{FF2B5EF4-FFF2-40B4-BE49-F238E27FC236}">
-                <a16:creationId xmlns:a16="http://schemas.microsoft.com/office/drawing/2014/main" id="{1FCA4213-FB36-4FB6-8CCD-67D7B9570DF0}"/>
-              </a:ext>
-            </a:extLst>
-          </p:cNvPr>
+          <p:cNvPr id="9" name="Slide Number Placeholder 8"/>
           <p:cNvSpPr>
             <a:spLocks noGrp="1"/>
           </p:cNvSpPr>
@@ -2131,7 +2317,7 @@
     </p:spTree>
     <p:extLst>
       <p:ext uri="{BB962C8B-B14F-4D97-AF65-F5344CB8AC3E}">
-        <p14:creationId xmlns:p14="http://schemas.microsoft.com/office/powerpoint/2010/main" val="2022849569"/>
+        <p14:creationId xmlns:p14="http://schemas.microsoft.com/office/powerpoint/2010/main" val="1247870534"/>
       </p:ext>
     </p:extLst>
   </p:cSld>
@@ -2142,7 +2328,7 @@
 </file>
 
 <file path=ppt/slideLayouts/slideLayout8.xml><?xml version="1.0" encoding="utf-8"?>
-<p:sldLayout xmlns:a="http://schemas.openxmlformats.org/drawingml/2006/main" xmlns:r="http://schemas.openxmlformats.org/officeDocument/2006/relationships" xmlns:p="http://schemas.openxmlformats.org/presentationml/2006/main" type="objTx" preserve="1">
+<p:sldLayout xmlns:a="http://schemas.openxmlformats.org/drawingml/2006/main" xmlns:r="http://schemas.openxmlformats.org/officeDocument/2006/relationships" xmlns:p="http://schemas.openxmlformats.org/presentationml/2006/main" showMasterSp="0" type="objTx" preserve="1">
   <p:cSld name="Content with Caption">
     <p:spTree>
       <p:nvGrpSpPr>
@@ -2160,31 +2346,107 @@
       </p:grpSpPr>
       <p:sp>
         <p:nvSpPr>
-          <p:cNvPr id="2" name="Title 1">
-            <a:extLst>
-              <a:ext uri="{FF2B5EF4-FFF2-40B4-BE49-F238E27FC236}">
-                <a16:creationId xmlns:a16="http://schemas.microsoft.com/office/drawing/2014/main" id="{2DF77D1D-11B8-4DFB-BD1E-F7DC051C31B3}"/>
-              </a:ext>
-            </a:extLst>
-          </p:cNvPr>
-          <p:cNvSpPr>
-            <a:spLocks noGrp="1"/>
-          </p:cNvSpPr>
-          <p:nvPr>
-            <p:ph type="title"/>
-          </p:nvPr>
+          <p:cNvPr id="8" name="Rectangle 7"/>
+          <p:cNvSpPr/>
+          <p:nvPr/>
         </p:nvSpPr>
         <p:spPr>
           <a:xfrm>
-            <a:off x="839788" y="457200"/>
-            <a:ext cx="3932237" cy="1600200"/>
+            <a:off x="16" y="0"/>
+            <a:ext cx="4050791" cy="6858000"/>
+          </a:xfrm>
+          <a:prstGeom prst="rect">
+            <a:avLst/>
+          </a:prstGeom>
+          <a:solidFill>
+            <a:schemeClr val="accent2"/>
+          </a:solidFill>
+          <a:ln>
+            <a:noFill/>
+          </a:ln>
+        </p:spPr>
+        <p:style>
+          <a:lnRef idx="2">
+            <a:schemeClr val="accent1">
+              <a:shade val="50000"/>
+            </a:schemeClr>
+          </a:lnRef>
+          <a:fillRef idx="1">
+            <a:schemeClr val="accent1"/>
+          </a:fillRef>
+          <a:effectRef idx="0">
+            <a:schemeClr val="accent1"/>
+          </a:effectRef>
+          <a:fontRef idx="minor">
+            <a:schemeClr val="lt1"/>
+          </a:fontRef>
+        </p:style>
+      </p:sp>
+      <p:sp>
+        <p:nvSpPr>
+          <p:cNvPr id="9" name="Rectangle 8"/>
+          <p:cNvSpPr/>
+          <p:nvPr/>
+        </p:nvSpPr>
+        <p:spPr>
+          <a:xfrm>
+            <a:off x="4040071" y="0"/>
+            <a:ext cx="64008" cy="6858000"/>
+          </a:xfrm>
+          <a:prstGeom prst="rect">
+            <a:avLst/>
+          </a:prstGeom>
+          <a:solidFill>
+            <a:schemeClr val="accent1"/>
+          </a:solidFill>
+          <a:ln>
+            <a:noFill/>
+          </a:ln>
+        </p:spPr>
+        <p:style>
+          <a:lnRef idx="2">
+            <a:schemeClr val="accent1">
+              <a:shade val="50000"/>
+            </a:schemeClr>
+          </a:lnRef>
+          <a:fillRef idx="1">
+            <a:schemeClr val="accent1"/>
+          </a:fillRef>
+          <a:effectRef idx="0">
+            <a:schemeClr val="accent1"/>
+          </a:effectRef>
+          <a:fontRef idx="minor">
+            <a:schemeClr val="lt1"/>
+          </a:fontRef>
+        </p:style>
+      </p:sp>
+      <p:sp>
+        <p:nvSpPr>
+          <p:cNvPr id="2" name="Title 1"/>
+          <p:cNvSpPr>
+            <a:spLocks noGrp="1"/>
+          </p:cNvSpPr>
+          <p:nvPr>
+            <p:ph type="title"/>
+          </p:nvPr>
+        </p:nvSpPr>
+        <p:spPr>
+          <a:xfrm>
+            <a:off x="457200" y="594359"/>
+            <a:ext cx="3200400" cy="2286000"/>
           </a:xfrm>
         </p:spPr>
         <p:txBody>
-          <a:bodyPr anchor="b"/>
+          <a:bodyPr anchor="b">
+            <a:normAutofit/>
+          </a:bodyPr>
           <a:lstStyle>
             <a:lvl1pPr>
-              <a:defRPr sz="3200"/>
+              <a:defRPr sz="3600" b="0">
+                <a:solidFill>
+                  <a:srgbClr val="FFFFFF"/>
+                </a:solidFill>
+              </a:defRPr>
             </a:lvl1pPr>
           </a:lstStyle>
           <a:p>
@@ -2192,18 +2454,13 @@
               <a:rPr lang="en-US"/>
               <a:t>Click to edit Master title style</a:t>
             </a:r>
-          </a:p>
-        </p:txBody>
-      </p:sp>
-      <p:sp>
-        <p:nvSpPr>
-          <p:cNvPr id="3" name="Content Placeholder 2">
-            <a:extLst>
-              <a:ext uri="{FF2B5EF4-FFF2-40B4-BE49-F238E27FC236}">
-                <a16:creationId xmlns:a16="http://schemas.microsoft.com/office/drawing/2014/main" id="{23EF7400-01EE-411C-824E-CBBFD09930AC}"/>
-              </a:ext>
-            </a:extLst>
-          </p:cNvPr>
+            <a:endParaRPr lang="en-US" dirty="0"/>
+          </a:p>
+        </p:txBody>
+      </p:sp>
+      <p:sp>
+        <p:nvSpPr>
+          <p:cNvPr id="3" name="Content Placeholder 2"/>
           <p:cNvSpPr>
             <a:spLocks noGrp="1"/>
           </p:cNvSpPr>
@@ -2213,39 +2470,111 @@
         </p:nvSpPr>
         <p:spPr>
           <a:xfrm>
-            <a:off x="5183188" y="987425"/>
-            <a:ext cx="6172200" cy="4873625"/>
+            <a:off x="4800600" y="731520"/>
+            <a:ext cx="6492240" cy="5257800"/>
           </a:xfrm>
         </p:spPr>
         <p:txBody>
           <a:bodyPr/>
+          <a:lstStyle/>
+          <a:p>
+            <a:pPr lvl="0"/>
+            <a:r>
+              <a:rPr lang="en-US"/>
+              <a:t>Edit Master text styles</a:t>
+            </a:r>
+          </a:p>
+          <a:p>
+            <a:pPr lvl="1"/>
+            <a:r>
+              <a:rPr lang="en-US"/>
+              <a:t>Second level</a:t>
+            </a:r>
+          </a:p>
+          <a:p>
+            <a:pPr lvl="2"/>
+            <a:r>
+              <a:rPr lang="en-US"/>
+              <a:t>Third level</a:t>
+            </a:r>
+          </a:p>
+          <a:p>
+            <a:pPr lvl="3"/>
+            <a:r>
+              <a:rPr lang="en-US"/>
+              <a:t>Fourth level</a:t>
+            </a:r>
+          </a:p>
+          <a:p>
+            <a:pPr lvl="4"/>
+            <a:r>
+              <a:rPr lang="en-US"/>
+              <a:t>Fifth level</a:t>
+            </a:r>
+            <a:endParaRPr lang="en-US" dirty="0"/>
+          </a:p>
+        </p:txBody>
+      </p:sp>
+      <p:sp>
+        <p:nvSpPr>
+          <p:cNvPr id="4" name="Text Placeholder 3"/>
+          <p:cNvSpPr>
+            <a:spLocks noGrp="1"/>
+          </p:cNvSpPr>
+          <p:nvPr>
+            <p:ph type="body" sz="half" idx="2"/>
+          </p:nvPr>
+        </p:nvSpPr>
+        <p:spPr>
+          <a:xfrm>
+            <a:off x="457200" y="2926080"/>
+            <a:ext cx="3200400" cy="3379124"/>
+          </a:xfrm>
+        </p:spPr>
+        <p:txBody>
+          <a:bodyPr lIns="91440" rIns="91440">
+            <a:normAutofit/>
+          </a:bodyPr>
           <a:lstStyle>
-            <a:lvl1pPr>
-              <a:defRPr sz="3200"/>
+            <a:lvl1pPr marL="0" indent="0">
+              <a:buNone/>
+              <a:defRPr sz="1500">
+                <a:solidFill>
+                  <a:srgbClr val="FFFFFF"/>
+                </a:solidFill>
+              </a:defRPr>
             </a:lvl1pPr>
-            <a:lvl2pPr>
-              <a:defRPr sz="2800"/>
+            <a:lvl2pPr marL="457200" indent="0">
+              <a:buNone/>
+              <a:defRPr sz="1200"/>
             </a:lvl2pPr>
-            <a:lvl3pPr>
-              <a:defRPr sz="2400"/>
+            <a:lvl3pPr marL="914400" indent="0">
+              <a:buNone/>
+              <a:defRPr sz="1000"/>
             </a:lvl3pPr>
-            <a:lvl4pPr>
-              <a:defRPr sz="2000"/>
+            <a:lvl4pPr marL="1371600" indent="0">
+              <a:buNone/>
+              <a:defRPr sz="900"/>
             </a:lvl4pPr>
-            <a:lvl5pPr>
-              <a:defRPr sz="2000"/>
+            <a:lvl5pPr marL="1828800" indent="0">
+              <a:buNone/>
+              <a:defRPr sz="900"/>
             </a:lvl5pPr>
-            <a:lvl6pPr>
-              <a:defRPr sz="2000"/>
+            <a:lvl6pPr marL="2286000" indent="0">
+              <a:buNone/>
+              <a:defRPr sz="900"/>
             </a:lvl6pPr>
-            <a:lvl7pPr>
-              <a:defRPr sz="2000"/>
+            <a:lvl7pPr marL="2743200" indent="0">
+              <a:buNone/>
+              <a:defRPr sz="900"/>
             </a:lvl7pPr>
-            <a:lvl8pPr>
-              <a:defRPr sz="2000"/>
+            <a:lvl8pPr marL="3200400" indent="0">
+              <a:buNone/>
+              <a:defRPr sz="900"/>
             </a:lvl8pPr>
-            <a:lvl9pPr>
-              <a:defRPr sz="2000"/>
+            <a:lvl9pPr marL="3657600" indent="0">
+              <a:buNone/>
+              <a:defRPr sz="900"/>
             </a:lvl9pPr>
           </a:lstStyle>
           <a:p>
@@ -2255,127 +2584,31 @@
               <a:t>Edit Master text styles</a:t>
             </a:r>
           </a:p>
-          <a:p>
-            <a:pPr lvl="1"/>
-            <a:r>
-              <a:rPr lang="en-US"/>
-              <a:t>Second level</a:t>
-            </a:r>
-          </a:p>
-          <a:p>
-            <a:pPr lvl="2"/>
-            <a:r>
-              <a:rPr lang="en-US"/>
-              <a:t>Third level</a:t>
-            </a:r>
-          </a:p>
-          <a:p>
-            <a:pPr lvl="3"/>
-            <a:r>
-              <a:rPr lang="en-US"/>
-              <a:t>Fourth level</a:t>
-            </a:r>
-          </a:p>
-          <a:p>
-            <a:pPr lvl="4"/>
-            <a:r>
-              <a:rPr lang="en-US"/>
-              <a:t>Fifth level</a:t>
-            </a:r>
-          </a:p>
-        </p:txBody>
-      </p:sp>
-      <p:sp>
-        <p:nvSpPr>
-          <p:cNvPr id="4" name="Text Placeholder 3">
-            <a:extLst>
-              <a:ext uri="{FF2B5EF4-FFF2-40B4-BE49-F238E27FC236}">
-                <a16:creationId xmlns:a16="http://schemas.microsoft.com/office/drawing/2014/main" id="{08BB923C-AFC4-45C8-9979-E6D260F14AB2}"/>
-              </a:ext>
-            </a:extLst>
-          </p:cNvPr>
-          <p:cNvSpPr>
-            <a:spLocks noGrp="1"/>
-          </p:cNvSpPr>
-          <p:nvPr>
-            <p:ph type="body" sz="half" idx="2"/>
+        </p:txBody>
+      </p:sp>
+      <p:sp>
+        <p:nvSpPr>
+          <p:cNvPr id="5" name="Date Placeholder 4"/>
+          <p:cNvSpPr>
+            <a:spLocks noGrp="1"/>
+          </p:cNvSpPr>
+          <p:nvPr>
+            <p:ph type="dt" sz="half" idx="10"/>
           </p:nvPr>
         </p:nvSpPr>
         <p:spPr>
           <a:xfrm>
-            <a:off x="839788" y="2057400"/>
-            <a:ext cx="3932237" cy="3811588"/>
+            <a:off x="465512" y="6459785"/>
+            <a:ext cx="2618510" cy="365125"/>
           </a:xfrm>
         </p:spPr>
         <p:txBody>
           <a:bodyPr/>
           <a:lstStyle>
-            <a:lvl1pPr marL="0" indent="0">
-              <a:buNone/>
-              <a:defRPr sz="1600"/>
+            <a:lvl1pPr algn="l">
+              <a:defRPr/>
             </a:lvl1pPr>
-            <a:lvl2pPr marL="457200" indent="0">
-              <a:buNone/>
-              <a:defRPr sz="1400"/>
-            </a:lvl2pPr>
-            <a:lvl3pPr marL="914400" indent="0">
-              <a:buNone/>
-              <a:defRPr sz="1200"/>
-            </a:lvl3pPr>
-            <a:lvl4pPr marL="1371600" indent="0">
-              <a:buNone/>
-              <a:defRPr sz="1000"/>
-            </a:lvl4pPr>
-            <a:lvl5pPr marL="1828800" indent="0">
-              <a:buNone/>
-              <a:defRPr sz="1000"/>
-            </a:lvl5pPr>
-            <a:lvl6pPr marL="2286000" indent="0">
-              <a:buNone/>
-              <a:defRPr sz="1000"/>
-            </a:lvl6pPr>
-            <a:lvl7pPr marL="2743200" indent="0">
-              <a:buNone/>
-              <a:defRPr sz="1000"/>
-            </a:lvl7pPr>
-            <a:lvl8pPr marL="3200400" indent="0">
-              <a:buNone/>
-              <a:defRPr sz="1000"/>
-            </a:lvl8pPr>
-            <a:lvl9pPr marL="3657600" indent="0">
-              <a:buNone/>
-              <a:defRPr sz="1000"/>
-            </a:lvl9pPr>
           </a:lstStyle>
-          <a:p>
-            <a:pPr lvl="0"/>
-            <a:r>
-              <a:rPr lang="en-US"/>
-              <a:t>Edit Master text styles</a:t>
-            </a:r>
-          </a:p>
-        </p:txBody>
-      </p:sp>
-      <p:sp>
-        <p:nvSpPr>
-          <p:cNvPr id="5" name="Date Placeholder 4">
-            <a:extLst>
-              <a:ext uri="{FF2B5EF4-FFF2-40B4-BE49-F238E27FC236}">
-                <a16:creationId xmlns:a16="http://schemas.microsoft.com/office/drawing/2014/main" id="{B6F5331D-1FE2-4056-AEA9-D2F744FD6D79}"/>
-              </a:ext>
-            </a:extLst>
-          </p:cNvPr>
-          <p:cNvSpPr>
-            <a:spLocks noGrp="1"/>
-          </p:cNvSpPr>
-          <p:nvPr>
-            <p:ph type="dt" sz="half" idx="10"/>
-          </p:nvPr>
-        </p:nvSpPr>
-        <p:spPr/>
-        <p:txBody>
-          <a:bodyPr/>
-          <a:lstStyle/>
           <a:p>
             <a:fld id="{3094EC84-5ED7-42D5-A4AD-B4F294B7FE57}" type="datetimeFigureOut">
               <a:rPr lang="en-US" smtClean="0"/>
@@ -2387,13 +2620,7 @@
       </p:sp>
       <p:sp>
         <p:nvSpPr>
-          <p:cNvPr id="6" name="Footer Placeholder 5">
-            <a:extLst>
-              <a:ext uri="{FF2B5EF4-FFF2-40B4-BE49-F238E27FC236}">
-                <a16:creationId xmlns:a16="http://schemas.microsoft.com/office/drawing/2014/main" id="{7E0BB2E3-C914-4709-85B7-E0854C49E9A3}"/>
-              </a:ext>
-            </a:extLst>
-          </p:cNvPr>
+          <p:cNvPr id="6" name="Footer Placeholder 5"/>
           <p:cNvSpPr>
             <a:spLocks noGrp="1"/>
           </p:cNvSpPr>
@@ -2401,35 +2628,50 @@
             <p:ph type="ftr" sz="quarter" idx="11"/>
           </p:nvPr>
         </p:nvSpPr>
+        <p:spPr>
+          <a:xfrm>
+            <a:off x="4800600" y="6459785"/>
+            <a:ext cx="4648200" cy="365125"/>
+          </a:xfrm>
+        </p:spPr>
+        <p:txBody>
+          <a:bodyPr/>
+          <a:lstStyle>
+            <a:lvl1pPr algn="l">
+              <a:defRPr>
+                <a:solidFill>
+                  <a:schemeClr val="tx2"/>
+                </a:solidFill>
+              </a:defRPr>
+            </a:lvl1pPr>
+          </a:lstStyle>
+          <a:p>
+            <a:endParaRPr lang="en-US"/>
+          </a:p>
+        </p:txBody>
+      </p:sp>
+      <p:sp>
+        <p:nvSpPr>
+          <p:cNvPr id="7" name="Slide Number Placeholder 6"/>
+          <p:cNvSpPr>
+            <a:spLocks noGrp="1"/>
+          </p:cNvSpPr>
+          <p:nvPr>
+            <p:ph type="sldNum" sz="quarter" idx="12"/>
+          </p:nvPr>
+        </p:nvSpPr>
         <p:spPr/>
         <p:txBody>
           <a:bodyPr/>
-          <a:lstStyle/>
-          <a:p>
-            <a:endParaRPr lang="en-US"/>
-          </a:p>
-        </p:txBody>
-      </p:sp>
-      <p:sp>
-        <p:nvSpPr>
-          <p:cNvPr id="7" name="Slide Number Placeholder 6">
-            <a:extLst>
-              <a:ext uri="{FF2B5EF4-FFF2-40B4-BE49-F238E27FC236}">
-                <a16:creationId xmlns:a16="http://schemas.microsoft.com/office/drawing/2014/main" id="{CF4512BC-1613-4EE7-85AB-A53A290971C8}"/>
-              </a:ext>
-            </a:extLst>
-          </p:cNvPr>
-          <p:cNvSpPr>
-            <a:spLocks noGrp="1"/>
-          </p:cNvSpPr>
-          <p:nvPr>
-            <p:ph type="sldNum" sz="quarter" idx="12"/>
-          </p:nvPr>
-        </p:nvSpPr>
-        <p:spPr/>
-        <p:txBody>
-          <a:bodyPr/>
-          <a:lstStyle/>
+          <a:lstStyle>
+            <a:lvl1pPr>
+              <a:defRPr>
+                <a:solidFill>
+                  <a:schemeClr val="tx2"/>
+                </a:solidFill>
+              </a:defRPr>
+            </a:lvl1pPr>
+          </a:lstStyle>
           <a:p>
             <a:fld id="{D397DE2B-FB00-437F-9BE3-70B923EEAA05}" type="slidenum">
               <a:rPr lang="en-US" smtClean="0"/>
@@ -2442,7 +2684,7 @@
     </p:spTree>
     <p:extLst>
       <p:ext uri="{BB962C8B-B14F-4D97-AF65-F5344CB8AC3E}">
-        <p14:creationId xmlns:p14="http://schemas.microsoft.com/office/powerpoint/2010/main" val="3787607639"/>
+        <p14:creationId xmlns:p14="http://schemas.microsoft.com/office/powerpoint/2010/main" val="503933349"/>
       </p:ext>
     </p:extLst>
   </p:cSld>
@@ -2453,7 +2695,7 @@
 </file>
 
 <file path=ppt/slideLayouts/slideLayout9.xml><?xml version="1.0" encoding="utf-8"?>
-<p:sldLayout xmlns:a="http://schemas.openxmlformats.org/drawingml/2006/main" xmlns:r="http://schemas.openxmlformats.org/officeDocument/2006/relationships" xmlns:p="http://schemas.openxmlformats.org/presentationml/2006/main" type="picTx" preserve="1">
+<p:sldLayout xmlns:a="http://schemas.openxmlformats.org/drawingml/2006/main" xmlns:r="http://schemas.openxmlformats.org/officeDocument/2006/relationships" xmlns:p="http://schemas.openxmlformats.org/presentationml/2006/main" showMasterSp="0" type="picTx" preserve="1">
   <p:cSld name="Picture with Caption">
     <p:spTree>
       <p:nvGrpSpPr>
@@ -2471,31 +2713,107 @@
       </p:grpSpPr>
       <p:sp>
         <p:nvSpPr>
-          <p:cNvPr id="2" name="Title 1">
-            <a:extLst>
-              <a:ext uri="{FF2B5EF4-FFF2-40B4-BE49-F238E27FC236}">
-                <a16:creationId xmlns:a16="http://schemas.microsoft.com/office/drawing/2014/main" id="{9F801C07-65DE-49DC-B3C2-CBC7DB543637}"/>
-              </a:ext>
-            </a:extLst>
-          </p:cNvPr>
-          <p:cNvSpPr>
-            <a:spLocks noGrp="1"/>
-          </p:cNvSpPr>
-          <p:nvPr>
-            <p:ph type="title"/>
-          </p:nvPr>
+          <p:cNvPr id="8" name="Rectangle 7"/>
+          <p:cNvSpPr/>
+          <p:nvPr/>
         </p:nvSpPr>
         <p:spPr>
           <a:xfrm>
-            <a:off x="839788" y="457200"/>
-            <a:ext cx="3932237" cy="1600200"/>
+            <a:off x="0" y="4953000"/>
+            <a:ext cx="12188825" cy="1905000"/>
+          </a:xfrm>
+          <a:prstGeom prst="rect">
+            <a:avLst/>
+          </a:prstGeom>
+          <a:solidFill>
+            <a:schemeClr val="accent2"/>
+          </a:solidFill>
+          <a:ln>
+            <a:noFill/>
+          </a:ln>
+        </p:spPr>
+        <p:style>
+          <a:lnRef idx="2">
+            <a:schemeClr val="accent1">
+              <a:shade val="50000"/>
+            </a:schemeClr>
+          </a:lnRef>
+          <a:fillRef idx="1">
+            <a:schemeClr val="accent1"/>
+          </a:fillRef>
+          <a:effectRef idx="0">
+            <a:schemeClr val="accent1"/>
+          </a:effectRef>
+          <a:fontRef idx="minor">
+            <a:schemeClr val="lt1"/>
+          </a:fontRef>
+        </p:style>
+      </p:sp>
+      <p:sp>
+        <p:nvSpPr>
+          <p:cNvPr id="9" name="Rectangle 8"/>
+          <p:cNvSpPr/>
+          <p:nvPr/>
+        </p:nvSpPr>
+        <p:spPr>
+          <a:xfrm>
+            <a:off x="15" y="4915076"/>
+            <a:ext cx="12188825" cy="64008"/>
+          </a:xfrm>
+          <a:prstGeom prst="rect">
+            <a:avLst/>
+          </a:prstGeom>
+          <a:solidFill>
+            <a:schemeClr val="accent1"/>
+          </a:solidFill>
+          <a:ln>
+            <a:noFill/>
+          </a:ln>
+        </p:spPr>
+        <p:style>
+          <a:lnRef idx="2">
+            <a:schemeClr val="accent1">
+              <a:shade val="50000"/>
+            </a:schemeClr>
+          </a:lnRef>
+          <a:fillRef idx="1">
+            <a:schemeClr val="accent1"/>
+          </a:fillRef>
+          <a:effectRef idx="0">
+            <a:schemeClr val="accent1"/>
+          </a:effectRef>
+          <a:fontRef idx="minor">
+            <a:schemeClr val="lt1"/>
+          </a:fontRef>
+        </p:style>
+      </p:sp>
+      <p:sp>
+        <p:nvSpPr>
+          <p:cNvPr id="2" name="Title 1"/>
+          <p:cNvSpPr>
+            <a:spLocks noGrp="1"/>
+          </p:cNvSpPr>
+          <p:nvPr>
+            <p:ph type="title"/>
+          </p:nvPr>
+        </p:nvSpPr>
+        <p:spPr>
+          <a:xfrm>
+            <a:off x="1097280" y="5074920"/>
+            <a:ext cx="10113645" cy="822960"/>
           </a:xfrm>
         </p:spPr>
         <p:txBody>
-          <a:bodyPr anchor="b"/>
+          <a:bodyPr tIns="0" bIns="0" anchor="b">
+            <a:noAutofit/>
+          </a:bodyPr>
           <a:lstStyle>
             <a:lvl1pPr>
-              <a:defRPr sz="3200"/>
+              <a:defRPr sz="3600" b="0">
+                <a:solidFill>
+                  <a:srgbClr val="FFFFFF"/>
+                </a:solidFill>
+              </a:defRPr>
             </a:lvl1pPr>
           </a:lstStyle>
           <a:p>
@@ -2503,20 +2821,15 @@
               <a:rPr lang="en-US"/>
               <a:t>Click to edit Master title style</a:t>
             </a:r>
-          </a:p>
-        </p:txBody>
-      </p:sp>
-      <p:sp>
-        <p:nvSpPr>
-          <p:cNvPr id="3" name="Picture Placeholder 2">
-            <a:extLst>
-              <a:ext uri="{FF2B5EF4-FFF2-40B4-BE49-F238E27FC236}">
-                <a16:creationId xmlns:a16="http://schemas.microsoft.com/office/drawing/2014/main" id="{E0121DC8-6B45-4406-9E6C-FB1525573AB3}"/>
-              </a:ext>
-            </a:extLst>
-          </p:cNvPr>
-          <p:cNvSpPr>
-            <a:spLocks noGrp="1"/>
+            <a:endParaRPr lang="en-US" dirty="0"/>
+          </a:p>
+        </p:txBody>
+      </p:sp>
+      <p:sp>
+        <p:nvSpPr>
+          <p:cNvPr id="3" name="Picture Placeholder 2"/>
+          <p:cNvSpPr>
+            <a:spLocks noGrp="1" noChangeAspect="1"/>
           </p:cNvSpPr>
           <p:nvPr>
             <p:ph type="pic" idx="1"/>
@@ -2524,12 +2837,17 @@
         </p:nvSpPr>
         <p:spPr>
           <a:xfrm>
-            <a:off x="5183188" y="987425"/>
-            <a:ext cx="6172200" cy="4873625"/>
+            <a:off x="15" y="0"/>
+            <a:ext cx="12191985" cy="4915076"/>
           </a:xfrm>
+          <a:solidFill>
+            <a:schemeClr val="bg2">
+              <a:lumMod val="90000"/>
+            </a:schemeClr>
+          </a:solidFill>
         </p:spPr>
         <p:txBody>
-          <a:bodyPr/>
+          <a:bodyPr lIns="457200" tIns="457200" anchor="t"/>
           <a:lstStyle>
             <a:lvl1pPr marL="0" indent="0">
               <a:buNone/>
@@ -2569,19 +2887,17 @@
             </a:lvl9pPr>
           </a:lstStyle>
           <a:p>
-            <a:endParaRPr lang="en-US"/>
-          </a:p>
-        </p:txBody>
-      </p:sp>
-      <p:sp>
-        <p:nvSpPr>
-          <p:cNvPr id="4" name="Text Placeholder 3">
-            <a:extLst>
-              <a:ext uri="{FF2B5EF4-FFF2-40B4-BE49-F238E27FC236}">
-                <a16:creationId xmlns:a16="http://schemas.microsoft.com/office/drawing/2014/main" id="{34AF4135-EDE6-4FF1-B8A9-CE6C3BFA26DE}"/>
-              </a:ext>
-            </a:extLst>
-          </p:cNvPr>
+            <a:r>
+              <a:rPr lang="en-US"/>
+              <a:t>Click icon to add picture</a:t>
+            </a:r>
+            <a:endParaRPr lang="en-US" dirty="0"/>
+          </a:p>
+        </p:txBody>
+      </p:sp>
+      <p:sp>
+        <p:nvSpPr>
+          <p:cNvPr id="4" name="Text Placeholder 3"/>
           <p:cNvSpPr>
             <a:spLocks noGrp="1"/>
           </p:cNvSpPr>
@@ -2591,48 +2907,60 @@
         </p:nvSpPr>
         <p:spPr>
           <a:xfrm>
-            <a:off x="839788" y="2057400"/>
-            <a:ext cx="3932237" cy="3811588"/>
+            <a:off x="1097280" y="5907024"/>
+            <a:ext cx="10113264" cy="594360"/>
           </a:xfrm>
         </p:spPr>
         <p:txBody>
-          <a:bodyPr/>
+          <a:bodyPr lIns="91440" tIns="0" rIns="91440" bIns="0">
+            <a:normAutofit/>
+          </a:bodyPr>
           <a:lstStyle>
             <a:lvl1pPr marL="0" indent="0">
-              <a:buNone/>
-              <a:defRPr sz="1600"/>
+              <a:spcBef>
+                <a:spcPts val="0"/>
+              </a:spcBef>
+              <a:spcAft>
+                <a:spcPts val="600"/>
+              </a:spcAft>
+              <a:buNone/>
+              <a:defRPr sz="1500">
+                <a:solidFill>
+                  <a:srgbClr val="FFFFFF"/>
+                </a:solidFill>
+              </a:defRPr>
             </a:lvl1pPr>
             <a:lvl2pPr marL="457200" indent="0">
               <a:buNone/>
-              <a:defRPr sz="1400"/>
+              <a:defRPr sz="1200"/>
             </a:lvl2pPr>
             <a:lvl3pPr marL="914400" indent="0">
               <a:buNone/>
-              <a:defRPr sz="1200"/>
+              <a:defRPr sz="1000"/>
             </a:lvl3pPr>
             <a:lvl4pPr marL="1371600" indent="0">
               <a:buNone/>
-              <a:defRPr sz="1000"/>
+              <a:defRPr sz="900"/>
             </a:lvl4pPr>
             <a:lvl5pPr marL="1828800" indent="0">
               <a:buNone/>
-              <a:defRPr sz="1000"/>
+              <a:defRPr sz="900"/>
             </a:lvl5pPr>
             <a:lvl6pPr marL="2286000" indent="0">
               <a:buNone/>
-              <a:defRPr sz="1000"/>
+              <a:defRPr sz="900"/>
             </a:lvl6pPr>
             <a:lvl7pPr marL="2743200" indent="0">
               <a:buNone/>
-              <a:defRPr sz="1000"/>
+              <a:defRPr sz="900"/>
             </a:lvl7pPr>
             <a:lvl8pPr marL="3200400" indent="0">
               <a:buNone/>
-              <a:defRPr sz="1000"/>
+              <a:defRPr sz="900"/>
             </a:lvl8pPr>
             <a:lvl9pPr marL="3657600" indent="0">
               <a:buNone/>
-              <a:defRPr sz="1000"/>
+              <a:defRPr sz="900"/>
             </a:lvl9pPr>
           </a:lstStyle>
           <a:p>
@@ -2646,13 +2974,7 @@
       </p:sp>
       <p:sp>
         <p:nvSpPr>
-          <p:cNvPr id="5" name="Date Placeholder 4">
-            <a:extLst>
-              <a:ext uri="{FF2B5EF4-FFF2-40B4-BE49-F238E27FC236}">
-                <a16:creationId xmlns:a16="http://schemas.microsoft.com/office/drawing/2014/main" id="{0BCC9C2B-B9ED-4DBB-A659-DB7ED22474E1}"/>
-              </a:ext>
-            </a:extLst>
-          </p:cNvPr>
+          <p:cNvPr id="5" name="Date Placeholder 4"/>
           <p:cNvSpPr>
             <a:spLocks noGrp="1"/>
           </p:cNvSpPr>
@@ -2675,13 +2997,7 @@
       </p:sp>
       <p:sp>
         <p:nvSpPr>
-          <p:cNvPr id="6" name="Footer Placeholder 5">
-            <a:extLst>
-              <a:ext uri="{FF2B5EF4-FFF2-40B4-BE49-F238E27FC236}">
-                <a16:creationId xmlns:a16="http://schemas.microsoft.com/office/drawing/2014/main" id="{4A1D9B52-85D4-4948-A36C-55FE9EE55755}"/>
-              </a:ext>
-            </a:extLst>
-          </p:cNvPr>
+          <p:cNvPr id="6" name="Footer Placeholder 5"/>
           <p:cNvSpPr>
             <a:spLocks noGrp="1"/>
           </p:cNvSpPr>
@@ -2700,13 +3016,7 @@
       </p:sp>
       <p:sp>
         <p:nvSpPr>
-          <p:cNvPr id="7" name="Slide Number Placeholder 6">
-            <a:extLst>
-              <a:ext uri="{FF2B5EF4-FFF2-40B4-BE49-F238E27FC236}">
-                <a16:creationId xmlns:a16="http://schemas.microsoft.com/office/drawing/2014/main" id="{59C0DFDF-2A7A-4B0C-A0D4-1D4094E35253}"/>
-              </a:ext>
-            </a:extLst>
-          </p:cNvPr>
+          <p:cNvPr id="7" name="Slide Number Placeholder 6"/>
           <p:cNvSpPr>
             <a:spLocks noGrp="1"/>
           </p:cNvSpPr>
@@ -2730,7 +3040,7 @@
     </p:spTree>
     <p:extLst>
       <p:ext uri="{BB962C8B-B14F-4D97-AF65-F5344CB8AC3E}">
-        <p14:creationId xmlns:p14="http://schemas.microsoft.com/office/powerpoint/2010/main" val="2802765554"/>
+        <p14:creationId xmlns:p14="http://schemas.microsoft.com/office/powerpoint/2010/main" val="1034073019"/>
       </p:ext>
     </p:extLst>
   </p:cSld>
@@ -2764,31 +3074,101 @@
       </p:grpSpPr>
       <p:sp>
         <p:nvSpPr>
-          <p:cNvPr id="2" name="Title Placeholder 1">
-            <a:extLst>
-              <a:ext uri="{FF2B5EF4-FFF2-40B4-BE49-F238E27FC236}">
-                <a16:creationId xmlns:a16="http://schemas.microsoft.com/office/drawing/2014/main" id="{99E8A58F-8439-4EA3-90D0-8C6BC629FDB2}"/>
-              </a:ext>
-            </a:extLst>
-          </p:cNvPr>
-          <p:cNvSpPr>
-            <a:spLocks noGrp="1"/>
-          </p:cNvSpPr>
-          <p:nvPr>
-            <p:ph type="title"/>
-          </p:nvPr>
+          <p:cNvPr id="7" name="Rectangle 6"/>
+          <p:cNvSpPr/>
+          <p:nvPr/>
         </p:nvSpPr>
         <p:spPr>
           <a:xfrm>
-            <a:off x="838200" y="365125"/>
-            <a:ext cx="10515600" cy="1325563"/>
+            <a:off x="3175" y="6400800"/>
+            <a:ext cx="12188825" cy="457200"/>
+          </a:xfrm>
+          <a:prstGeom prst="rect">
+            <a:avLst/>
+          </a:prstGeom>
+          <a:solidFill>
+            <a:schemeClr val="accent2"/>
+          </a:solidFill>
+          <a:ln>
+            <a:noFill/>
+          </a:ln>
+        </p:spPr>
+        <p:style>
+          <a:lnRef idx="2">
+            <a:schemeClr val="accent1">
+              <a:shade val="50000"/>
+            </a:schemeClr>
+          </a:lnRef>
+          <a:fillRef idx="1">
+            <a:schemeClr val="accent1"/>
+          </a:fillRef>
+          <a:effectRef idx="0">
+            <a:schemeClr val="accent1"/>
+          </a:effectRef>
+          <a:fontRef idx="minor">
+            <a:schemeClr val="lt1"/>
+          </a:fontRef>
+        </p:style>
+      </p:sp>
+      <p:sp>
+        <p:nvSpPr>
+          <p:cNvPr id="9" name="Rectangle 8"/>
+          <p:cNvSpPr/>
+          <p:nvPr/>
+        </p:nvSpPr>
+        <p:spPr>
+          <a:xfrm>
+            <a:off x="15" y="6334316"/>
+            <a:ext cx="12188825" cy="64008"/>
+          </a:xfrm>
+          <a:prstGeom prst="rect">
+            <a:avLst/>
+          </a:prstGeom>
+          <a:solidFill>
+            <a:schemeClr val="accent1"/>
+          </a:solidFill>
+          <a:ln>
+            <a:noFill/>
+          </a:ln>
+        </p:spPr>
+        <p:style>
+          <a:lnRef idx="2">
+            <a:schemeClr val="accent1">
+              <a:shade val="50000"/>
+            </a:schemeClr>
+          </a:lnRef>
+          <a:fillRef idx="1">
+            <a:schemeClr val="accent1"/>
+          </a:fillRef>
+          <a:effectRef idx="0">
+            <a:schemeClr val="accent1"/>
+          </a:effectRef>
+          <a:fontRef idx="minor">
+            <a:schemeClr val="lt1"/>
+          </a:fontRef>
+        </p:style>
+      </p:sp>
+      <p:sp>
+        <p:nvSpPr>
+          <p:cNvPr id="2" name="Title Placeholder 1"/>
+          <p:cNvSpPr>
+            <a:spLocks noGrp="1"/>
+          </p:cNvSpPr>
+          <p:nvPr>
+            <p:ph type="title"/>
+          </p:nvPr>
+        </p:nvSpPr>
+        <p:spPr>
+          <a:xfrm>
+            <a:off x="1097280" y="286603"/>
+            <a:ext cx="10058400" cy="1450757"/>
           </a:xfrm>
           <a:prstGeom prst="rect">
             <a:avLst/>
           </a:prstGeom>
         </p:spPr>
         <p:txBody>
-          <a:bodyPr vert="horz" lIns="91440" tIns="45720" rIns="91440" bIns="45720" rtlCol="0" anchor="ctr">
+          <a:bodyPr vert="horz" lIns="91440" tIns="45720" rIns="91440" bIns="45720" rtlCol="0" anchor="b">
             <a:normAutofit/>
           </a:bodyPr>
           <a:lstStyle/>
@@ -2797,18 +3177,13 @@
               <a:rPr lang="en-US"/>
               <a:t>Click to edit Master title style</a:t>
             </a:r>
-          </a:p>
-        </p:txBody>
-      </p:sp>
-      <p:sp>
-        <p:nvSpPr>
-          <p:cNvPr id="3" name="Text Placeholder 2">
-            <a:extLst>
-              <a:ext uri="{FF2B5EF4-FFF2-40B4-BE49-F238E27FC236}">
-                <a16:creationId xmlns:a16="http://schemas.microsoft.com/office/drawing/2014/main" id="{4C815905-9DD2-4C5F-A49C-AD8922AF0D7E}"/>
-              </a:ext>
-            </a:extLst>
-          </p:cNvPr>
+            <a:endParaRPr lang="en-US" dirty="0"/>
+          </a:p>
+        </p:txBody>
+      </p:sp>
+      <p:sp>
+        <p:nvSpPr>
+          <p:cNvPr id="3" name="Text Placeholder 2"/>
           <p:cNvSpPr>
             <a:spLocks noGrp="1"/>
           </p:cNvSpPr>
@@ -2818,15 +3193,15 @@
         </p:nvSpPr>
         <p:spPr>
           <a:xfrm>
-            <a:off x="838200" y="1825625"/>
-            <a:ext cx="10515600" cy="4351338"/>
+            <a:off x="1097280" y="1845734"/>
+            <a:ext cx="10058400" cy="4023360"/>
           </a:xfrm>
           <a:prstGeom prst="rect">
             <a:avLst/>
           </a:prstGeom>
         </p:spPr>
         <p:txBody>
-          <a:bodyPr vert="horz" lIns="91440" tIns="45720" rIns="91440" bIns="45720" rtlCol="0">
+          <a:bodyPr vert="horz" lIns="0" tIns="45720" rIns="0" bIns="45720" rtlCol="0">
             <a:normAutofit/>
           </a:bodyPr>
           <a:lstStyle/>
@@ -2864,18 +3239,13 @@
               <a:rPr lang="en-US"/>
               <a:t>Fifth level</a:t>
             </a:r>
-          </a:p>
-        </p:txBody>
-      </p:sp>
-      <p:sp>
-        <p:nvSpPr>
-          <p:cNvPr id="4" name="Date Placeholder 3">
-            <a:extLst>
-              <a:ext uri="{FF2B5EF4-FFF2-40B4-BE49-F238E27FC236}">
-                <a16:creationId xmlns:a16="http://schemas.microsoft.com/office/drawing/2014/main" id="{D46A1289-8243-47BF-B9C5-F3B8AC61BAAA}"/>
-              </a:ext>
-            </a:extLst>
-          </p:cNvPr>
+            <a:endParaRPr lang="en-US" dirty="0"/>
+          </a:p>
+        </p:txBody>
+      </p:sp>
+      <p:sp>
+        <p:nvSpPr>
+          <p:cNvPr id="4" name="Date Placeholder 3"/>
           <p:cNvSpPr>
             <a:spLocks noGrp="1"/>
           </p:cNvSpPr>
@@ -2885,8 +3255,8 @@
         </p:nvSpPr>
         <p:spPr>
           <a:xfrm>
-            <a:off x="838200" y="6356350"/>
-            <a:ext cx="2743200" cy="365125"/>
+            <a:off x="1097280" y="6459785"/>
+            <a:ext cx="2472271" cy="365125"/>
           </a:xfrm>
           <a:prstGeom prst="rect">
             <a:avLst/>
@@ -2896,11 +3266,9 @@
           <a:bodyPr vert="horz" lIns="91440" tIns="45720" rIns="91440" bIns="45720" rtlCol="0" anchor="ctr"/>
           <a:lstStyle>
             <a:lvl1pPr algn="l">
-              <a:defRPr sz="1200">
+              <a:defRPr sz="900">
                 <a:solidFill>
-                  <a:schemeClr val="tx1">
-                    <a:tint val="75000"/>
-                  </a:schemeClr>
+                  <a:srgbClr val="FFFFFF"/>
                 </a:solidFill>
               </a:defRPr>
             </a:lvl1pPr>
@@ -2916,13 +3284,7 @@
       </p:sp>
       <p:sp>
         <p:nvSpPr>
-          <p:cNvPr id="5" name="Footer Placeholder 4">
-            <a:extLst>
-              <a:ext uri="{FF2B5EF4-FFF2-40B4-BE49-F238E27FC236}">
-                <a16:creationId xmlns:a16="http://schemas.microsoft.com/office/drawing/2014/main" id="{47AC99A9-7637-4F76-BD76-8840D68DFDC4}"/>
-              </a:ext>
-            </a:extLst>
-          </p:cNvPr>
+          <p:cNvPr id="5" name="Footer Placeholder 4"/>
           <p:cNvSpPr>
             <a:spLocks noGrp="1"/>
           </p:cNvSpPr>
@@ -2932,8 +3294,8 @@
         </p:nvSpPr>
         <p:spPr>
           <a:xfrm>
-            <a:off x="4038600" y="6356350"/>
-            <a:ext cx="4114800" cy="365125"/>
+            <a:off x="3686185" y="6459785"/>
+            <a:ext cx="4822804" cy="365125"/>
           </a:xfrm>
           <a:prstGeom prst="rect">
             <a:avLst/>
@@ -2943,11 +3305,9 @@
           <a:bodyPr vert="horz" lIns="91440" tIns="45720" rIns="91440" bIns="45720" rtlCol="0" anchor="ctr"/>
           <a:lstStyle>
             <a:lvl1pPr algn="ctr">
-              <a:defRPr sz="1200">
+              <a:defRPr sz="900" cap="all" baseline="0">
                 <a:solidFill>
-                  <a:schemeClr val="tx1">
-                    <a:tint val="75000"/>
-                  </a:schemeClr>
+                  <a:srgbClr val="FFFFFF"/>
                 </a:solidFill>
               </a:defRPr>
             </a:lvl1pPr>
@@ -2959,13 +3319,7 @@
       </p:sp>
       <p:sp>
         <p:nvSpPr>
-          <p:cNvPr id="6" name="Slide Number Placeholder 5">
-            <a:extLst>
-              <a:ext uri="{FF2B5EF4-FFF2-40B4-BE49-F238E27FC236}">
-                <a16:creationId xmlns:a16="http://schemas.microsoft.com/office/drawing/2014/main" id="{546CFCEE-CB48-4D12-A058-0363B0864D9C}"/>
-              </a:ext>
-            </a:extLst>
-          </p:cNvPr>
+          <p:cNvPr id="6" name="Slide Number Placeholder 5"/>
           <p:cNvSpPr>
             <a:spLocks noGrp="1"/>
           </p:cNvSpPr>
@@ -2975,8 +3329,8 @@
         </p:nvSpPr>
         <p:spPr>
           <a:xfrm>
-            <a:off x="8610600" y="6356350"/>
-            <a:ext cx="2743200" cy="365125"/>
+            <a:off x="9900458" y="6459785"/>
+            <a:ext cx="1312025" cy="365125"/>
           </a:xfrm>
           <a:prstGeom prst="rect">
             <a:avLst/>
@@ -2986,11 +3340,9 @@
           <a:bodyPr vert="horz" lIns="91440" tIns="45720" rIns="91440" bIns="45720" rtlCol="0" anchor="ctr"/>
           <a:lstStyle>
             <a:lvl1pPr algn="r">
-              <a:defRPr sz="1200">
+              <a:defRPr sz="1050">
                 <a:solidFill>
-                  <a:schemeClr val="tx1">
-                    <a:tint val="75000"/>
-                  </a:schemeClr>
+                  <a:srgbClr val="FFFFFF"/>
                 </a:solidFill>
               </a:defRPr>
             </a:lvl1pPr>
@@ -3004,40 +3356,81 @@
           </a:p>
         </p:txBody>
       </p:sp>
+      <p:cxnSp>
+        <p:nvCxnSpPr>
+          <p:cNvPr id="10" name="Straight Connector 9"/>
+          <p:cNvCxnSpPr/>
+          <p:nvPr/>
+        </p:nvCxnSpPr>
+        <p:spPr>
+          <a:xfrm>
+            <a:off x="1193532" y="1737845"/>
+            <a:ext cx="9966960" cy="0"/>
+          </a:xfrm>
+          <a:prstGeom prst="line">
+            <a:avLst/>
+          </a:prstGeom>
+          <a:ln w="6350">
+            <a:solidFill>
+              <a:schemeClr val="tx1">
+                <a:lumMod val="50000"/>
+                <a:lumOff val="50000"/>
+              </a:schemeClr>
+            </a:solidFill>
+          </a:ln>
+        </p:spPr>
+        <p:style>
+          <a:lnRef idx="1">
+            <a:schemeClr val="accent1"/>
+          </a:lnRef>
+          <a:fillRef idx="0">
+            <a:schemeClr val="accent1"/>
+          </a:fillRef>
+          <a:effectRef idx="0">
+            <a:schemeClr val="accent1"/>
+          </a:effectRef>
+          <a:fontRef idx="minor">
+            <a:schemeClr val="tx1"/>
+          </a:fontRef>
+        </p:style>
+      </p:cxnSp>
     </p:spTree>
     <p:extLst>
       <p:ext uri="{BB962C8B-B14F-4D97-AF65-F5344CB8AC3E}">
-        <p14:creationId xmlns:p14="http://schemas.microsoft.com/office/powerpoint/2010/main" val="614367098"/>
+        <p14:creationId xmlns:p14="http://schemas.microsoft.com/office/powerpoint/2010/main" val="2293086443"/>
       </p:ext>
     </p:extLst>
   </p:cSld>
   <p:clrMap bg1="lt1" tx1="dk1" bg2="lt2" tx2="dk2" accent1="accent1" accent2="accent2" accent3="accent3" accent4="accent4" accent5="accent5" accent6="accent6" hlink="hlink" folHlink="folHlink"/>
   <p:sldLayoutIdLst>
-    <p:sldLayoutId id="2147483673" r:id="rId1"/>
-    <p:sldLayoutId id="2147483674" r:id="rId2"/>
-    <p:sldLayoutId id="2147483675" r:id="rId3"/>
-    <p:sldLayoutId id="2147483676" r:id="rId4"/>
-    <p:sldLayoutId id="2147483677" r:id="rId5"/>
-    <p:sldLayoutId id="2147483678" r:id="rId6"/>
-    <p:sldLayoutId id="2147483679" r:id="rId7"/>
-    <p:sldLayoutId id="2147483680" r:id="rId8"/>
-    <p:sldLayoutId id="2147483681" r:id="rId9"/>
-    <p:sldLayoutId id="2147483682" r:id="rId10"/>
-    <p:sldLayoutId id="2147483683" r:id="rId11"/>
+    <p:sldLayoutId id="2147483793" r:id="rId1"/>
+    <p:sldLayoutId id="2147483794" r:id="rId2"/>
+    <p:sldLayoutId id="2147483795" r:id="rId3"/>
+    <p:sldLayoutId id="2147483796" r:id="rId4"/>
+    <p:sldLayoutId id="2147483797" r:id="rId5"/>
+    <p:sldLayoutId id="2147483798" r:id="rId6"/>
+    <p:sldLayoutId id="2147483799" r:id="rId7"/>
+    <p:sldLayoutId id="2147483800" r:id="rId8"/>
+    <p:sldLayoutId id="2147483801" r:id="rId9"/>
+    <p:sldLayoutId id="2147483802" r:id="rId10"/>
+    <p:sldLayoutId id="2147483803" r:id="rId11"/>
   </p:sldLayoutIdLst>
   <p:txStyles>
     <p:titleStyle>
       <a:lvl1pPr algn="l" defTabSz="914400" rtl="0" eaLnBrk="1" latinLnBrk="0" hangingPunct="1">
         <a:lnSpc>
-          <a:spcPct val="90000"/>
+          <a:spcPct val="85000"/>
         </a:lnSpc>
         <a:spcBef>
           <a:spcPct val="0"/>
         </a:spcBef>
         <a:buNone/>
-        <a:defRPr sz="4400" kern="1200">
+        <a:defRPr sz="4800" kern="1200" spc="-50" baseline="0">
           <a:solidFill>
-            <a:schemeClr val="tx1"/>
+            <a:schemeClr val="tx1">
+              <a:lumMod val="75000"/>
+              <a:lumOff val="25000"/>
+            </a:schemeClr>
           </a:solidFill>
           <a:latin typeface="+mj-lt"/>
           <a:ea typeface="+mj-ea"/>
@@ -3046,162 +3439,244 @@
       </a:lvl1pPr>
     </p:titleStyle>
     <p:bodyStyle>
-      <a:lvl1pPr marL="228600" indent="-228600" algn="l" defTabSz="914400" rtl="0" eaLnBrk="1" latinLnBrk="0" hangingPunct="1">
+      <a:lvl1pPr marL="91440" indent="-91440" algn="l" defTabSz="914400" rtl="0" eaLnBrk="1" latinLnBrk="0" hangingPunct="1">
         <a:lnSpc>
           <a:spcPct val="90000"/>
         </a:lnSpc>
         <a:spcBef>
-          <a:spcPts val="1000"/>
+          <a:spcPts val="1200"/>
         </a:spcBef>
-        <a:buFont typeface="Arial" panose="020B0604020202020204" pitchFamily="34" charset="0"/>
-        <a:buChar char="•"/>
-        <a:defRPr sz="2800" kern="1200">
+        <a:spcAft>
+          <a:spcPts val="200"/>
+        </a:spcAft>
+        <a:buClr>
+          <a:schemeClr val="accent1"/>
+        </a:buClr>
+        <a:buSzPct val="100000"/>
+        <a:buFont typeface="Calibri" panose="020F0502020204030204" pitchFamily="34" charset="0"/>
+        <a:buChar char=" "/>
+        <a:defRPr sz="2000" kern="1200">
           <a:solidFill>
-            <a:schemeClr val="tx1"/>
+            <a:schemeClr val="tx1">
+              <a:lumMod val="75000"/>
+              <a:lumOff val="25000"/>
+            </a:schemeClr>
           </a:solidFill>
           <a:latin typeface="+mn-lt"/>
           <a:ea typeface="+mn-ea"/>
           <a:cs typeface="+mn-cs"/>
         </a:defRPr>
       </a:lvl1pPr>
-      <a:lvl2pPr marL="685800" indent="-228600" algn="l" defTabSz="914400" rtl="0" eaLnBrk="1" latinLnBrk="0" hangingPunct="1">
+      <a:lvl2pPr marL="384048" indent="-182880" algn="l" defTabSz="914400" rtl="0" eaLnBrk="1" latinLnBrk="0" hangingPunct="1">
         <a:lnSpc>
           <a:spcPct val="90000"/>
         </a:lnSpc>
         <a:spcBef>
-          <a:spcPts val="500"/>
+          <a:spcPts val="200"/>
         </a:spcBef>
-        <a:buFont typeface="Arial" panose="020B0604020202020204" pitchFamily="34" charset="0"/>
-        <a:buChar char="•"/>
-        <a:defRPr sz="2400" kern="1200">
+        <a:spcAft>
+          <a:spcPts val="400"/>
+        </a:spcAft>
+        <a:buClr>
+          <a:schemeClr val="accent1"/>
+        </a:buClr>
+        <a:buFont typeface="Calibri" pitchFamily="34" charset="0"/>
+        <a:buChar char="◦"/>
+        <a:defRPr sz="1800" kern="1200">
           <a:solidFill>
-            <a:schemeClr val="tx1"/>
+            <a:schemeClr val="tx1">
+              <a:lumMod val="75000"/>
+              <a:lumOff val="25000"/>
+            </a:schemeClr>
           </a:solidFill>
           <a:latin typeface="+mn-lt"/>
           <a:ea typeface="+mn-ea"/>
           <a:cs typeface="+mn-cs"/>
         </a:defRPr>
       </a:lvl2pPr>
-      <a:lvl3pPr marL="1143000" indent="-228600" algn="l" defTabSz="914400" rtl="0" eaLnBrk="1" latinLnBrk="0" hangingPunct="1">
+      <a:lvl3pPr marL="566928" indent="-182880" algn="l" defTabSz="914400" rtl="0" eaLnBrk="1" latinLnBrk="0" hangingPunct="1">
         <a:lnSpc>
           <a:spcPct val="90000"/>
         </a:lnSpc>
         <a:spcBef>
-          <a:spcPts val="500"/>
+          <a:spcPts val="200"/>
         </a:spcBef>
-        <a:buFont typeface="Arial" panose="020B0604020202020204" pitchFamily="34" charset="0"/>
-        <a:buChar char="•"/>
-        <a:defRPr sz="2000" kern="1200">
+        <a:spcAft>
+          <a:spcPts val="400"/>
+        </a:spcAft>
+        <a:buClr>
+          <a:schemeClr val="accent1"/>
+        </a:buClr>
+        <a:buFont typeface="Calibri" pitchFamily="34" charset="0"/>
+        <a:buChar char="◦"/>
+        <a:defRPr sz="1400" kern="1200">
           <a:solidFill>
-            <a:schemeClr val="tx1"/>
+            <a:schemeClr val="tx1">
+              <a:lumMod val="75000"/>
+              <a:lumOff val="25000"/>
+            </a:schemeClr>
           </a:solidFill>
           <a:latin typeface="+mn-lt"/>
           <a:ea typeface="+mn-ea"/>
           <a:cs typeface="+mn-cs"/>
         </a:defRPr>
       </a:lvl3pPr>
-      <a:lvl4pPr marL="1600200" indent="-228600" algn="l" defTabSz="914400" rtl="0" eaLnBrk="1" latinLnBrk="0" hangingPunct="1">
+      <a:lvl4pPr marL="749808" indent="-182880" algn="l" defTabSz="914400" rtl="0" eaLnBrk="1" latinLnBrk="0" hangingPunct="1">
         <a:lnSpc>
           <a:spcPct val="90000"/>
         </a:lnSpc>
         <a:spcBef>
-          <a:spcPts val="500"/>
+          <a:spcPts val="200"/>
         </a:spcBef>
-        <a:buFont typeface="Arial" panose="020B0604020202020204" pitchFamily="34" charset="0"/>
-        <a:buChar char="•"/>
-        <a:defRPr sz="1800" kern="1200">
+        <a:spcAft>
+          <a:spcPts val="400"/>
+        </a:spcAft>
+        <a:buClr>
+          <a:schemeClr val="accent1"/>
+        </a:buClr>
+        <a:buFont typeface="Calibri" pitchFamily="34" charset="0"/>
+        <a:buChar char="◦"/>
+        <a:defRPr sz="1400" kern="1200">
           <a:solidFill>
-            <a:schemeClr val="tx1"/>
+            <a:schemeClr val="tx1">
+              <a:lumMod val="75000"/>
+              <a:lumOff val="25000"/>
+            </a:schemeClr>
           </a:solidFill>
           <a:latin typeface="+mn-lt"/>
           <a:ea typeface="+mn-ea"/>
           <a:cs typeface="+mn-cs"/>
         </a:defRPr>
       </a:lvl4pPr>
-      <a:lvl5pPr marL="2057400" indent="-228600" algn="l" defTabSz="914400" rtl="0" eaLnBrk="1" latinLnBrk="0" hangingPunct="1">
+      <a:lvl5pPr marL="932688" indent="-182880" algn="l" defTabSz="914400" rtl="0" eaLnBrk="1" latinLnBrk="0" hangingPunct="1">
         <a:lnSpc>
           <a:spcPct val="90000"/>
         </a:lnSpc>
         <a:spcBef>
-          <a:spcPts val="500"/>
+          <a:spcPts val="200"/>
         </a:spcBef>
-        <a:buFont typeface="Arial" panose="020B0604020202020204" pitchFamily="34" charset="0"/>
-        <a:buChar char="•"/>
-        <a:defRPr sz="1800" kern="1200">
+        <a:spcAft>
+          <a:spcPts val="400"/>
+        </a:spcAft>
+        <a:buClr>
+          <a:schemeClr val="accent1"/>
+        </a:buClr>
+        <a:buFont typeface="Calibri" pitchFamily="34" charset="0"/>
+        <a:buChar char="◦"/>
+        <a:defRPr sz="1400" kern="1200">
           <a:solidFill>
-            <a:schemeClr val="tx1"/>
+            <a:schemeClr val="tx1">
+              <a:lumMod val="75000"/>
+              <a:lumOff val="25000"/>
+            </a:schemeClr>
           </a:solidFill>
           <a:latin typeface="+mn-lt"/>
           <a:ea typeface="+mn-ea"/>
           <a:cs typeface="+mn-cs"/>
         </a:defRPr>
       </a:lvl5pPr>
-      <a:lvl6pPr marL="2514600" indent="-228600" algn="l" defTabSz="914400" rtl="0" eaLnBrk="1" latinLnBrk="0" hangingPunct="1">
+      <a:lvl6pPr marL="1100000" indent="-228600" algn="l" defTabSz="914400" rtl="0" eaLnBrk="1" latinLnBrk="0" hangingPunct="1">
         <a:lnSpc>
           <a:spcPct val="90000"/>
         </a:lnSpc>
         <a:spcBef>
-          <a:spcPts val="500"/>
+          <a:spcPts val="200"/>
         </a:spcBef>
-        <a:buFont typeface="Arial" panose="020B0604020202020204" pitchFamily="34" charset="0"/>
-        <a:buChar char="•"/>
-        <a:defRPr sz="1800" kern="1200">
+        <a:spcAft>
+          <a:spcPts val="400"/>
+        </a:spcAft>
+        <a:buClr>
+          <a:schemeClr val="accent1"/>
+        </a:buClr>
+        <a:buFont typeface="Calibri" pitchFamily="34" charset="0"/>
+        <a:buChar char="◦"/>
+        <a:defRPr sz="1400" kern="1200">
           <a:solidFill>
-            <a:schemeClr val="tx1"/>
+            <a:schemeClr val="tx1">
+              <a:lumMod val="75000"/>
+              <a:lumOff val="25000"/>
+            </a:schemeClr>
           </a:solidFill>
           <a:latin typeface="+mn-lt"/>
           <a:ea typeface="+mn-ea"/>
           <a:cs typeface="+mn-cs"/>
         </a:defRPr>
       </a:lvl6pPr>
-      <a:lvl7pPr marL="2971800" indent="-228600" algn="l" defTabSz="914400" rtl="0" eaLnBrk="1" latinLnBrk="0" hangingPunct="1">
+      <a:lvl7pPr marL="1300000" indent="-228600" algn="l" defTabSz="914400" rtl="0" eaLnBrk="1" latinLnBrk="0" hangingPunct="1">
         <a:lnSpc>
           <a:spcPct val="90000"/>
         </a:lnSpc>
         <a:spcBef>
-          <a:spcPts val="500"/>
+          <a:spcPts val="200"/>
         </a:spcBef>
-        <a:buFont typeface="Arial" panose="020B0604020202020204" pitchFamily="34" charset="0"/>
-        <a:buChar char="•"/>
-        <a:defRPr sz="1800" kern="1200">
+        <a:spcAft>
+          <a:spcPts val="400"/>
+        </a:spcAft>
+        <a:buClr>
+          <a:schemeClr val="accent1"/>
+        </a:buClr>
+        <a:buFont typeface="Calibri" pitchFamily="34" charset="0"/>
+        <a:buChar char="◦"/>
+        <a:defRPr sz="1400" kern="1200">
           <a:solidFill>
-            <a:schemeClr val="tx1"/>
+            <a:schemeClr val="tx1">
+              <a:lumMod val="75000"/>
+              <a:lumOff val="25000"/>
+            </a:schemeClr>
           </a:solidFill>
           <a:latin typeface="+mn-lt"/>
           <a:ea typeface="+mn-ea"/>
           <a:cs typeface="+mn-cs"/>
         </a:defRPr>
       </a:lvl7pPr>
-      <a:lvl8pPr marL="3429000" indent="-228600" algn="l" defTabSz="914400" rtl="0" eaLnBrk="1" latinLnBrk="0" hangingPunct="1">
+      <a:lvl8pPr marL="1500000" indent="-228600" algn="l" defTabSz="914400" rtl="0" eaLnBrk="1" latinLnBrk="0" hangingPunct="1">
         <a:lnSpc>
           <a:spcPct val="90000"/>
         </a:lnSpc>
         <a:spcBef>
-          <a:spcPts val="500"/>
+          <a:spcPts val="200"/>
         </a:spcBef>
-        <a:buFont typeface="Arial" panose="020B0604020202020204" pitchFamily="34" charset="0"/>
-        <a:buChar char="•"/>
-        <a:defRPr sz="1800" kern="1200">
+        <a:spcAft>
+          <a:spcPts val="400"/>
+        </a:spcAft>
+        <a:buClr>
+          <a:schemeClr val="accent1"/>
+        </a:buClr>
+        <a:buFont typeface="Calibri" pitchFamily="34" charset="0"/>
+        <a:buChar char="◦"/>
+        <a:defRPr sz="1400" kern="1200">
           <a:solidFill>
-            <a:schemeClr val="tx1"/>
+            <a:schemeClr val="tx1">
+              <a:lumMod val="75000"/>
+              <a:lumOff val="25000"/>
+            </a:schemeClr>
           </a:solidFill>
           <a:latin typeface="+mn-lt"/>
           <a:ea typeface="+mn-ea"/>
           <a:cs typeface="+mn-cs"/>
         </a:defRPr>
       </a:lvl8pPr>
-      <a:lvl9pPr marL="3886200" indent="-228600" algn="l" defTabSz="914400" rtl="0" eaLnBrk="1" latinLnBrk="0" hangingPunct="1">
+      <a:lvl9pPr marL="1700000" indent="-228600" algn="l" defTabSz="914400" rtl="0" eaLnBrk="1" latinLnBrk="0" hangingPunct="1">
         <a:lnSpc>
           <a:spcPct val="90000"/>
         </a:lnSpc>
         <a:spcBef>
-          <a:spcPts val="500"/>
+          <a:spcPts val="200"/>
         </a:spcBef>
-        <a:buFont typeface="Arial" panose="020B0604020202020204" pitchFamily="34" charset="0"/>
-        <a:buChar char="•"/>
-        <a:defRPr sz="1800" kern="1200">
+        <a:spcAft>
+          <a:spcPts val="400"/>
+        </a:spcAft>
+        <a:buClr>
+          <a:schemeClr val="accent1"/>
+        </a:buClr>
+        <a:buFont typeface="Calibri" pitchFamily="34" charset="0"/>
+        <a:buChar char="◦"/>
+        <a:defRPr sz="1400" kern="1200">
           <a:solidFill>
-            <a:schemeClr val="tx1"/>
+            <a:schemeClr val="tx1">
+              <a:lumMod val="75000"/>
+              <a:lumOff val="25000"/>
+            </a:schemeClr>
           </a:solidFill>
           <a:latin typeface="+mn-lt"/>
           <a:ea typeface="+mn-ea"/>
@@ -3311,6 +3786,14 @@
 <file path=ppt/slides/slide1.xml><?xml version="1.0" encoding="utf-8"?>
 <p:sld xmlns:a="http://schemas.openxmlformats.org/drawingml/2006/main" xmlns:r="http://schemas.openxmlformats.org/officeDocument/2006/relationships" xmlns:p="http://schemas.openxmlformats.org/presentationml/2006/main">
   <p:cSld>
+    <p:bg>
+      <p:bgPr>
+        <a:solidFill>
+          <a:schemeClr val="bg1"/>
+        </a:solidFill>
+        <a:effectLst/>
+      </p:bgPr>
+    </p:bg>
     <p:spTree>
       <p:nvGrpSpPr>
         <p:cNvPr id="1" name=""/>
@@ -3325,6 +3808,66 @@
           <a:chExt cx="0" cy="0"/>
         </a:xfrm>
       </p:grpSpPr>
+      <p:sp useBgFill="1">
+        <p:nvSpPr>
+          <p:cNvPr id="8" name="Rectangle 7">
+            <a:extLst>
+              <a:ext uri="{FF2B5EF4-FFF2-40B4-BE49-F238E27FC236}">
+                <a16:creationId xmlns:a16="http://schemas.microsoft.com/office/drawing/2014/main" id="{FBDCECDC-EEE3-4128-AA5E-82A8C08796E8}"/>
+              </a:ext>
+              <a:ext uri="{C183D7F6-B498-43B3-948B-1728B52AA6E4}">
+                <adec:decorative xmlns:adec="http://schemas.microsoft.com/office/drawing/2017/decorative" val="1"/>
+              </a:ext>
+            </a:extLst>
+          </p:cNvPr>
+          <p:cNvSpPr>
+            <a:spLocks noGrp="1" noRot="1" noChangeAspect="1" noMove="1" noResize="1" noEditPoints="1" noAdjustHandles="1" noChangeArrowheads="1" noChangeShapeType="1" noTextEdit="1"/>
+          </p:cNvSpPr>
+          <p:nvPr>
+            <p:extLst>
+              <p:ext uri="{386F3935-93C4-4BCD-93E2-E3B085C9AB24}">
+                <p16:designElem xmlns:p16="http://schemas.microsoft.com/office/powerpoint/2015/main" val="1"/>
+              </p:ext>
+            </p:extLst>
+          </p:nvPr>
+        </p:nvSpPr>
+        <p:spPr>
+          <a:xfrm>
+            <a:off x="1507" y="0"/>
+            <a:ext cx="12192000" cy="6858000"/>
+          </a:xfrm>
+          <a:prstGeom prst="rect">
+            <a:avLst/>
+          </a:prstGeom>
+          <a:ln>
+            <a:noFill/>
+          </a:ln>
+        </p:spPr>
+        <p:style>
+          <a:lnRef idx="2">
+            <a:schemeClr val="accent1">
+              <a:shade val="50000"/>
+            </a:schemeClr>
+          </a:lnRef>
+          <a:fillRef idx="1">
+            <a:schemeClr val="accent1"/>
+          </a:fillRef>
+          <a:effectRef idx="0">
+            <a:schemeClr val="accent1"/>
+          </a:effectRef>
+          <a:fontRef idx="minor">
+            <a:schemeClr val="lt1"/>
+          </a:fontRef>
+        </p:style>
+        <p:txBody>
+          <a:bodyPr rtlCol="0" anchor="ctr"/>
+          <a:lstStyle/>
+          <a:p>
+            <a:pPr algn="ctr"/>
+            <a:endParaRPr lang="en-US"/>
+          </a:p>
+        </p:txBody>
+      </p:sp>
       <p:sp>
         <p:nvSpPr>
           <p:cNvPr id="2" name="Title 1">
@@ -3341,14 +3884,138 @@
             <p:ph type="ctrTitle"/>
           </p:nvPr>
         </p:nvSpPr>
-        <p:spPr/>
-        <p:txBody>
-          <a:bodyPr/>
-          <a:lstStyle/>
-          <a:p>
-            <a:endParaRPr lang="en-US" dirty="0"/>
-          </a:p>
-        </p:txBody>
+        <p:spPr>
+          <a:xfrm>
+            <a:off x="1097280" y="758952"/>
+            <a:ext cx="10058400" cy="3892168"/>
+          </a:xfrm>
+        </p:spPr>
+        <p:txBody>
+          <a:bodyPr>
+            <a:normAutofit/>
+          </a:bodyPr>
+          <a:lstStyle/>
+          <a:p>
+            <a:r>
+              <a:rPr lang="en-US" dirty="0" err="1"/>
+              <a:t>TAMUhack</a:t>
+            </a:r>
+            <a:r>
+              <a:rPr lang="en-US" dirty="0"/>
+              <a:t> Project</a:t>
+            </a:r>
+          </a:p>
+        </p:txBody>
+      </p:sp>
+      <p:sp>
+        <p:nvSpPr>
+          <p:cNvPr id="10" name="Rectangle 9">
+            <a:extLst>
+              <a:ext uri="{FF2B5EF4-FFF2-40B4-BE49-F238E27FC236}">
+                <a16:creationId xmlns:a16="http://schemas.microsoft.com/office/drawing/2014/main" id="{1F3985C0-E548-44D2-B30E-F3E42DADE133}"/>
+              </a:ext>
+              <a:ext uri="{C183D7F6-B498-43B3-948B-1728B52AA6E4}">
+                <adec:decorative xmlns:adec="http://schemas.microsoft.com/office/drawing/2017/decorative" val="1"/>
+              </a:ext>
+            </a:extLst>
+          </p:cNvPr>
+          <p:cNvSpPr>
+            <a:spLocks noGrp="1" noRot="1" noChangeAspect="1" noMove="1" noResize="1" noEditPoints="1" noAdjustHandles="1" noChangeArrowheads="1" noChangeShapeType="1" noTextEdit="1"/>
+          </p:cNvSpPr>
+          <p:nvPr>
+            <p:extLst>
+              <p:ext uri="{386F3935-93C4-4BCD-93E2-E3B085C9AB24}">
+                <p16:designElem xmlns:p16="http://schemas.microsoft.com/office/powerpoint/2015/main" val="1"/>
+              </p:ext>
+            </p:extLst>
+          </p:nvPr>
+        </p:nvSpPr>
+        <p:spPr>
+          <a:xfrm>
+            <a:off x="1507" y="4906176"/>
+            <a:ext cx="12188952" cy="64008"/>
+          </a:xfrm>
+          <a:prstGeom prst="rect">
+            <a:avLst/>
+          </a:prstGeom>
+          <a:solidFill>
+            <a:schemeClr val="accent1"/>
+          </a:solidFill>
+          <a:ln>
+            <a:noFill/>
+          </a:ln>
+        </p:spPr>
+        <p:style>
+          <a:lnRef idx="2">
+            <a:schemeClr val="accent1">
+              <a:shade val="50000"/>
+            </a:schemeClr>
+          </a:lnRef>
+          <a:fillRef idx="1">
+            <a:schemeClr val="accent1"/>
+          </a:fillRef>
+          <a:effectRef idx="0">
+            <a:schemeClr val="accent1"/>
+          </a:effectRef>
+          <a:fontRef idx="minor">
+            <a:schemeClr val="lt1"/>
+          </a:fontRef>
+        </p:style>
+      </p:sp>
+      <p:sp>
+        <p:nvSpPr>
+          <p:cNvPr id="12" name="Rectangle 11">
+            <a:extLst>
+              <a:ext uri="{FF2B5EF4-FFF2-40B4-BE49-F238E27FC236}">
+                <a16:creationId xmlns:a16="http://schemas.microsoft.com/office/drawing/2014/main" id="{4260EDE0-989C-4E16-AF94-F652294D828E}"/>
+              </a:ext>
+              <a:ext uri="{C183D7F6-B498-43B3-948B-1728B52AA6E4}">
+                <adec:decorative xmlns:adec="http://schemas.microsoft.com/office/drawing/2017/decorative" val="1"/>
+              </a:ext>
+            </a:extLst>
+          </p:cNvPr>
+          <p:cNvSpPr>
+            <a:spLocks noGrp="1" noRot="1" noChangeAspect="1" noMove="1" noResize="1" noEditPoints="1" noAdjustHandles="1" noChangeArrowheads="1" noChangeShapeType="1" noTextEdit="1"/>
+          </p:cNvSpPr>
+          <p:nvPr>
+            <p:extLst>
+              <p:ext uri="{386F3935-93C4-4BCD-93E2-E3B085C9AB24}">
+                <p16:designElem xmlns:p16="http://schemas.microsoft.com/office/powerpoint/2015/main" val="1"/>
+              </p:ext>
+            </p:extLst>
+          </p:nvPr>
+        </p:nvSpPr>
+        <p:spPr bwMode="white">
+          <a:xfrm>
+            <a:off x="1507" y="4953000"/>
+            <a:ext cx="12188952" cy="1905000"/>
+          </a:xfrm>
+          <a:prstGeom prst="rect">
+            <a:avLst/>
+          </a:prstGeom>
+          <a:solidFill>
+            <a:schemeClr val="accent2"/>
+          </a:solidFill>
+          <a:ln>
+            <a:noFill/>
+          </a:ln>
+        </p:spPr>
+        <p:style>
+          <a:lnRef idx="2">
+            <a:schemeClr val="accent1">
+              <a:shade val="50000"/>
+            </a:schemeClr>
+          </a:lnRef>
+          <a:fillRef idx="1">
+            <a:schemeClr val="accent1"/>
+          </a:fillRef>
+          <a:effectRef idx="0">
+            <a:schemeClr val="accent1"/>
+          </a:effectRef>
+          <a:fontRef idx="minor">
+            <a:schemeClr val="lt1"/>
+          </a:fontRef>
+        </p:style>
       </p:sp>
       <p:sp>
         <p:nvSpPr>
@@ -3366,22 +4033,25 @@
             <p:ph type="subTitle" idx="1"/>
           </p:nvPr>
         </p:nvSpPr>
-        <p:spPr/>
-        <p:txBody>
-          <a:bodyPr/>
-          <a:lstStyle/>
-          <a:p>
-            <a:r>
-              <a:rPr lang="en-US" dirty="0"/>
-              <a:t>Mia </a:t>
-            </a:r>
-            <a:r>
-              <a:rPr lang="en-US" dirty="0" err="1"/>
-              <a:t>Benedek</a:t>
-            </a:r>
-            <a:r>
-              <a:rPr lang="en-US" dirty="0"/>
-              <a:t>, Luis Aguero, Allison Ramsey</a:t>
+        <p:spPr>
+          <a:xfrm>
+            <a:off x="1100051" y="5225240"/>
+            <a:ext cx="10058400" cy="1143000"/>
+          </a:xfrm>
+        </p:spPr>
+        <p:txBody>
+          <a:bodyPr>
+            <a:normAutofit/>
+          </a:bodyPr>
+          <a:lstStyle/>
+          <a:p>
+            <a:r>
+              <a:rPr lang="en-US">
+                <a:solidFill>
+                  <a:srgbClr val="FFFFFF"/>
+                </a:solidFill>
+              </a:rPr>
+              <a:t>Mia Benedek, Luis Aguero, Allison Ramsey</a:t>
             </a:r>
           </a:p>
         </p:txBody>
@@ -3439,7 +4109,7 @@
           <a:p>
             <a:r>
               <a:rPr lang="en-US" dirty="0"/>
-              <a:t>Purpose</a:t>
+              <a:t>What is the purpose?</a:t>
             </a:r>
           </a:p>
         </p:txBody>
@@ -3469,10 +4139,12 @@
               <a:lnSpc>
                 <a:spcPct val="150000"/>
               </a:lnSpc>
+              <a:buFont typeface="Wingdings" panose="05000000000000000000" pitchFamily="2" charset="2"/>
+              <a:buChar char="§"/>
             </a:pPr>
             <a:r>
               <a:rPr lang="en-US" dirty="0"/>
-              <a:t>Our program is an interactive way for students learning algebra to better grasp logarithms and equations in the form y = </a:t>
+              <a:t> Our program is an interactive way for students learning algebra to better grasp logarithms and equations in the form y = </a:t>
             </a:r>
             <a:r>
               <a:rPr lang="en-US" dirty="0" err="1"/>
@@ -3544,7 +4216,10 @@
           <a:bodyPr/>
           <a:lstStyle/>
           <a:p>
-            <a:endParaRPr lang="en-US" dirty="0"/>
+            <a:r>
+              <a:rPr lang="en-US" dirty="0"/>
+              <a:t>What does the program do?</a:t>
+            </a:r>
           </a:p>
         </p:txBody>
       </p:sp>
@@ -3573,10 +4248,12 @@
               <a:lnSpc>
                 <a:spcPct val="150000"/>
               </a:lnSpc>
+              <a:buFont typeface="Wingdings" panose="05000000000000000000" pitchFamily="2" charset="2"/>
+              <a:buChar char="§"/>
             </a:pPr>
             <a:r>
               <a:rPr lang="en-US" dirty="0"/>
-              <a:t>The program starts with the user entering 3 numbers that will be the y-values associated with x = 0, 1, and 2.</a:t>
+              <a:t> The program starts with the user entering 3 numbers that will be the y-values associated with x = 0, 1, and 2.</a:t>
             </a:r>
           </a:p>
           <a:p>
@@ -3584,10 +4261,12 @@
               <a:lnSpc>
                 <a:spcPct val="150000"/>
               </a:lnSpc>
+              <a:buFont typeface="Wingdings" panose="05000000000000000000" pitchFamily="2" charset="2"/>
+              <a:buChar char="§"/>
             </a:pPr>
             <a:r>
               <a:rPr lang="en-US" dirty="0"/>
-              <a:t>If possible, the program finds an equation in the form y = </a:t>
+              <a:t> If possible, the program finds an equation in the form y = </a:t>
             </a:r>
             <a:r>
               <a:rPr lang="en-US" dirty="0" err="1"/>
@@ -3641,7 +4320,7 @@
           <p:cNvPr id="2" name="Title 1">
             <a:extLst>
               <a:ext uri="{FF2B5EF4-FFF2-40B4-BE49-F238E27FC236}">
-                <a16:creationId xmlns:a16="http://schemas.microsoft.com/office/drawing/2014/main" id="{2FD79DEF-E3C7-4F7E-AB5D-21B236AFE4A5}"/>
+                <a16:creationId xmlns:a16="http://schemas.microsoft.com/office/drawing/2014/main" id="{814F4C89-24CB-40F2-8FD3-54200C87B157}"/>
               </a:ext>
             </a:extLst>
           </p:cNvPr>
@@ -3657,7 +4336,10 @@
           <a:bodyPr/>
           <a:lstStyle/>
           <a:p>
-            <a:endParaRPr lang="en-US" dirty="0"/>
+            <a:r>
+              <a:rPr lang="en-US" dirty="0"/>
+              <a:t>What does the program do? in more detail</a:t>
+            </a:r>
           </a:p>
         </p:txBody>
       </p:sp>
@@ -3666,7 +4348,7 @@
           <p:cNvPr id="3" name="Content Placeholder 2">
             <a:extLst>
               <a:ext uri="{FF2B5EF4-FFF2-40B4-BE49-F238E27FC236}">
-                <a16:creationId xmlns:a16="http://schemas.microsoft.com/office/drawing/2014/main" id="{6B628A2B-693F-4C13-9A80-A5988771A75E}"/>
+                <a16:creationId xmlns:a16="http://schemas.microsoft.com/office/drawing/2014/main" id="{2D5CE5A9-5A80-46DA-8F40-6F7D560357AA}"/>
               </a:ext>
             </a:extLst>
           </p:cNvPr>
@@ -3683,24 +4365,12 @@
           <a:lstStyle/>
           <a:p>
             <a:pPr>
-              <a:lnSpc>
-                <a:spcPct val="150000"/>
-              </a:lnSpc>
+              <a:buFont typeface="Wingdings" panose="05000000000000000000" pitchFamily="2" charset="2"/>
+              <a:buChar char="§"/>
             </a:pPr>
             <a:r>
               <a:rPr lang="en-US" dirty="0"/>
-              <a:t>The first concept the program explains on the way to forming the equation is the y-intercept. It explains what it is and how it is obtained from the set of points the user input.</a:t>
-            </a:r>
-          </a:p>
-          <a:p>
-            <a:pPr>
-              <a:lnSpc>
-                <a:spcPct val="150000"/>
-              </a:lnSpc>
-            </a:pPr>
-            <a:r>
-              <a:rPr lang="en-US" dirty="0"/>
-              <a:t>In a similar manner, the program also explains coefficients and exponents.</a:t>
+              <a:t> </a:t>
             </a:r>
           </a:p>
         </p:txBody>
@@ -3708,7 +4378,7 @@
     </p:spTree>
     <p:extLst>
       <p:ext uri="{BB962C8B-B14F-4D97-AF65-F5344CB8AC3E}">
-        <p14:creationId xmlns:p14="http://schemas.microsoft.com/office/powerpoint/2010/main" val="2510895537"/>
+        <p14:creationId xmlns:p14="http://schemas.microsoft.com/office/powerpoint/2010/main" val="2626047774"/>
       </p:ext>
     </p:extLst>
   </p:cSld>
@@ -3740,6 +4410,112 @@
           <p:cNvPr id="2" name="Title 1">
             <a:extLst>
               <a:ext uri="{FF2B5EF4-FFF2-40B4-BE49-F238E27FC236}">
+                <a16:creationId xmlns:a16="http://schemas.microsoft.com/office/drawing/2014/main" id="{2FD79DEF-E3C7-4F7E-AB5D-21B236AFE4A5}"/>
+              </a:ext>
+            </a:extLst>
+          </p:cNvPr>
+          <p:cNvSpPr>
+            <a:spLocks noGrp="1"/>
+          </p:cNvSpPr>
+          <p:nvPr>
+            <p:ph type="title"/>
+          </p:nvPr>
+        </p:nvSpPr>
+        <p:spPr/>
+        <p:txBody>
+          <a:bodyPr/>
+          <a:lstStyle/>
+          <a:p>
+            <a:r>
+              <a:rPr lang="en-US" dirty="0"/>
+              <a:t>What does the program teach?</a:t>
+            </a:r>
+          </a:p>
+        </p:txBody>
+      </p:sp>
+      <p:sp>
+        <p:nvSpPr>
+          <p:cNvPr id="3" name="Content Placeholder 2">
+            <a:extLst>
+              <a:ext uri="{FF2B5EF4-FFF2-40B4-BE49-F238E27FC236}">
+                <a16:creationId xmlns:a16="http://schemas.microsoft.com/office/drawing/2014/main" id="{6B628A2B-693F-4C13-9A80-A5988771A75E}"/>
+              </a:ext>
+            </a:extLst>
+          </p:cNvPr>
+          <p:cNvSpPr>
+            <a:spLocks noGrp="1"/>
+          </p:cNvSpPr>
+          <p:nvPr>
+            <p:ph idx="1"/>
+          </p:nvPr>
+        </p:nvSpPr>
+        <p:spPr/>
+        <p:txBody>
+          <a:bodyPr/>
+          <a:lstStyle/>
+          <a:p>
+            <a:pPr>
+              <a:lnSpc>
+                <a:spcPct val="150000"/>
+              </a:lnSpc>
+              <a:buFont typeface="Wingdings" panose="05000000000000000000" pitchFamily="2" charset="2"/>
+              <a:buChar char="§"/>
+            </a:pPr>
+            <a:r>
+              <a:rPr lang="en-US" dirty="0"/>
+              <a:t> The first concept the program explains on the way to forming the equation is the y-intercept. It explains what it is and how it is obtained from the set of points the user input.</a:t>
+            </a:r>
+          </a:p>
+          <a:p>
+            <a:pPr>
+              <a:lnSpc>
+                <a:spcPct val="150000"/>
+              </a:lnSpc>
+              <a:buFont typeface="Wingdings" panose="05000000000000000000" pitchFamily="2" charset="2"/>
+              <a:buChar char="§"/>
+            </a:pPr>
+            <a:r>
+              <a:rPr lang="en-US" dirty="0"/>
+              <a:t> In a similar manner, the program also explains coefficients and exponents.</a:t>
+            </a:r>
+          </a:p>
+        </p:txBody>
+      </p:sp>
+    </p:spTree>
+    <p:extLst>
+      <p:ext uri="{BB962C8B-B14F-4D97-AF65-F5344CB8AC3E}">
+        <p14:creationId xmlns:p14="http://schemas.microsoft.com/office/powerpoint/2010/main" val="2510895537"/>
+      </p:ext>
+    </p:extLst>
+  </p:cSld>
+  <p:clrMapOvr>
+    <a:masterClrMapping/>
+  </p:clrMapOvr>
+</p:sld>
+</file>
+
+<file path=ppt/slides/slide6.xml><?xml version="1.0" encoding="utf-8"?>
+<p:sld xmlns:a="http://schemas.openxmlformats.org/drawingml/2006/main" xmlns:r="http://schemas.openxmlformats.org/officeDocument/2006/relationships" xmlns:p="http://schemas.openxmlformats.org/presentationml/2006/main">
+  <p:cSld>
+    <p:spTree>
+      <p:nvGrpSpPr>
+        <p:cNvPr id="1" name=""/>
+        <p:cNvGrpSpPr/>
+        <p:nvPr/>
+      </p:nvGrpSpPr>
+      <p:grpSpPr>
+        <a:xfrm>
+          <a:off x="0" y="0"/>
+          <a:ext cx="0" cy="0"/>
+          <a:chOff x="0" y="0"/>
+          <a:chExt cx="0" cy="0"/>
+        </a:xfrm>
+      </p:grpSpPr>
+      <p:sp>
+        <p:nvSpPr>
+          <p:cNvPr id="2" name="Title 1">
+            <a:extLst>
+              <a:ext uri="{FF2B5EF4-FFF2-40B4-BE49-F238E27FC236}">
                 <a16:creationId xmlns:a16="http://schemas.microsoft.com/office/drawing/2014/main" id="{ACB2D371-512E-4A15-95E7-D00C94274F14}"/>
               </a:ext>
             </a:extLst>
@@ -3756,7 +4532,10 @@
           <a:bodyPr/>
           <a:lstStyle/>
           <a:p>
-            <a:endParaRPr lang="en-US"/>
+            <a:r>
+              <a:rPr lang="en-US" dirty="0"/>
+              <a:t>What does the program teach? + what problem does it solve?</a:t>
+            </a:r>
           </a:p>
         </p:txBody>
       </p:sp>
@@ -3785,10 +4564,12 @@
               <a:lnSpc>
                 <a:spcPct val="150000"/>
               </a:lnSpc>
+              <a:buFont typeface="Wingdings" panose="05000000000000000000" pitchFamily="2" charset="2"/>
+              <a:buChar char="§"/>
             </a:pPr>
             <a:r>
               <a:rPr lang="en-US" dirty="0"/>
-              <a:t>Many students find logarithms difficult to understand, so our program works as an educational tool that allows the user to explore what logarithms do and how to put them to use.</a:t>
+              <a:t> Many students find logarithms difficult to understand, so our program works as an educational tool that allows the user to explore what logarithms do and how to put them to use.</a:t>
             </a:r>
           </a:p>
         </p:txBody>
@@ -3807,9 +4588,9 @@
 </file>
 
 <file path=ppt/theme/theme1.xml><?xml version="1.0" encoding="utf-8"?>
-<a:theme xmlns:a="http://schemas.openxmlformats.org/drawingml/2006/main" name="Office Theme">
+<a:theme xmlns:a="http://schemas.openxmlformats.org/drawingml/2006/main" name="Retrospect">
   <a:themeElements>
-    <a:clrScheme name="Office">
+    <a:clrScheme name="Retrospect">
       <a:dk1>
         <a:sysClr val="windowText" lastClr="000000"/>
       </a:dk1>
@@ -3817,44 +4598,44 @@
         <a:sysClr val="window" lastClr="FFFFFF"/>
       </a:lt1>
       <a:dk2>
-        <a:srgbClr val="44546A"/>
+        <a:srgbClr val="344068"/>
       </a:dk2>
       <a:lt2>
-        <a:srgbClr val="E7E6E6"/>
+        <a:srgbClr val="D9E0E6"/>
       </a:lt2>
       <a:accent1>
-        <a:srgbClr val="4472C4"/>
+        <a:srgbClr val="1CADE4"/>
       </a:accent1>
       <a:accent2>
-        <a:srgbClr val="ED7D31"/>
+        <a:srgbClr val="2683C6"/>
       </a:accent2>
       <a:accent3>
-        <a:srgbClr val="A5A5A5"/>
+        <a:srgbClr val="28C4CC"/>
       </a:accent3>
       <a:accent4>
-        <a:srgbClr val="FFC000"/>
+        <a:srgbClr val="42BA97"/>
       </a:accent4>
       <a:accent5>
-        <a:srgbClr val="5B9BD5"/>
+        <a:srgbClr val="3E8853"/>
       </a:accent5>
       <a:accent6>
-        <a:srgbClr val="70AD47"/>
+        <a:srgbClr val="62A39F"/>
       </a:accent6>
       <a:hlink>
-        <a:srgbClr val="0563C1"/>
+        <a:srgbClr val="6EAC1C"/>
       </a:hlink>
       <a:folHlink>
-        <a:srgbClr val="954F72"/>
+        <a:srgbClr val="B26B02"/>
       </a:folHlink>
     </a:clrScheme>
-    <a:fontScheme name="Office">
+    <a:fontScheme name="Retrospect">
       <a:majorFont>
         <a:latin typeface="Calibri Light" panose="020F0302020204030204"/>
         <a:ea typeface=""/>
         <a:cs typeface=""/>
-        <a:font script="Jpan" typeface="游ゴシック Light"/>
+        <a:font script="Jpan" typeface="ＭＳ Ｐゴシック"/>
         <a:font script="Hang" typeface="맑은 고딕"/>
-        <a:font script="Hans" typeface="等线 Light"/>
+        <a:font script="Hans" typeface="宋体"/>
         <a:font script="Hant" typeface="新細明體"/>
         <a:font script="Arab" typeface="Times New Roman"/>
         <a:font script="Hebr" typeface="Times New Roman"/>
@@ -3882,31 +4663,14 @@
         <a:font script="Viet" typeface="Times New Roman"/>
         <a:font script="Uigh" typeface="Microsoft Uighur"/>
         <a:font script="Geor" typeface="Sylfaen"/>
-        <a:font script="Armn" typeface="Arial"/>
-        <a:font script="Bugi" typeface="Leelawadee UI"/>
-        <a:font script="Bopo" typeface="Microsoft JhengHei"/>
-        <a:font script="Java" typeface="Javanese Text"/>
-        <a:font script="Lisu" typeface="Segoe UI"/>
-        <a:font script="Mymr" typeface="Myanmar Text"/>
-        <a:font script="Nkoo" typeface="Ebrima"/>
-        <a:font script="Olck" typeface="Nirmala UI"/>
-        <a:font script="Osma" typeface="Ebrima"/>
-        <a:font script="Phag" typeface="Phagspa"/>
-        <a:font script="Syrn" typeface="Estrangelo Edessa"/>
-        <a:font script="Syrj" typeface="Estrangelo Edessa"/>
-        <a:font script="Syre" typeface="Estrangelo Edessa"/>
-        <a:font script="Sora" typeface="Nirmala UI"/>
-        <a:font script="Tale" typeface="Microsoft Tai Le"/>
-        <a:font script="Talu" typeface="Microsoft New Tai Lue"/>
-        <a:font script="Tfng" typeface="Ebrima"/>
       </a:majorFont>
       <a:minorFont>
         <a:latin typeface="Calibri" panose="020F0502020204030204"/>
         <a:ea typeface=""/>
         <a:cs typeface=""/>
-        <a:font script="Jpan" typeface="游ゴシック"/>
+        <a:font script="Jpan" typeface="ＭＳ Ｐゴシック"/>
         <a:font script="Hang" typeface="맑은 고딕"/>
-        <a:font script="Hans" typeface="等线"/>
+        <a:font script="Hans" typeface="宋体"/>
         <a:font script="Hant" typeface="新細明體"/>
         <a:font script="Arab" typeface="Arial"/>
         <a:font script="Hebr" typeface="Arial"/>
@@ -3934,26 +4698,9 @@
         <a:font script="Viet" typeface="Arial"/>
         <a:font script="Uigh" typeface="Microsoft Uighur"/>
         <a:font script="Geor" typeface="Sylfaen"/>
-        <a:font script="Armn" typeface="Arial"/>
-        <a:font script="Bugi" typeface="Leelawadee UI"/>
-        <a:font script="Bopo" typeface="Microsoft JhengHei"/>
-        <a:font script="Java" typeface="Javanese Text"/>
-        <a:font script="Lisu" typeface="Segoe UI"/>
-        <a:font script="Mymr" typeface="Myanmar Text"/>
-        <a:font script="Nkoo" typeface="Ebrima"/>
-        <a:font script="Olck" typeface="Nirmala UI"/>
-        <a:font script="Osma" typeface="Ebrima"/>
-        <a:font script="Phag" typeface="Phagspa"/>
-        <a:font script="Syrn" typeface="Estrangelo Edessa"/>
-        <a:font script="Syrj" typeface="Estrangelo Edessa"/>
-        <a:font script="Syre" typeface="Estrangelo Edessa"/>
-        <a:font script="Sora" typeface="Nirmala UI"/>
-        <a:font script="Tale" typeface="Microsoft Tai Le"/>
-        <a:font script="Talu" typeface="Microsoft New Tai Lue"/>
-        <a:font script="Tfng" typeface="Ebrima"/>
       </a:minorFont>
     </a:fontScheme>
-    <a:fmtScheme name="Office">
+    <a:fmtScheme name="Retrospect">
       <a:fillStyleLst>
         <a:solidFill>
           <a:schemeClr val="phClr"/>
@@ -3962,76 +4709,81 @@
           <a:gsLst>
             <a:gs pos="0">
               <a:schemeClr val="phClr">
-                <a:lumMod val="110000"/>
-                <a:satMod val="105000"/>
-                <a:tint val="67000"/>
+                <a:tint val="65000"/>
+                <a:shade val="92000"/>
+                <a:satMod val="130000"/>
               </a:schemeClr>
             </a:gs>
-            <a:gs pos="50000">
+            <a:gs pos="45000">
               <a:schemeClr val="phClr">
-                <a:lumMod val="105000"/>
-                <a:satMod val="103000"/>
-                <a:tint val="73000"/>
+                <a:tint val="60000"/>
+                <a:shade val="99000"/>
+                <a:satMod val="120000"/>
               </a:schemeClr>
             </a:gs>
             <a:gs pos="100000">
               <a:schemeClr val="phClr">
-                <a:lumMod val="105000"/>
-                <a:satMod val="109000"/>
-                <a:tint val="81000"/>
+                <a:tint val="55000"/>
+                <a:satMod val="140000"/>
               </a:schemeClr>
             </a:gs>
           </a:gsLst>
-          <a:lin ang="5400000" scaled="0"/>
+          <a:path path="circle">
+            <a:fillToRect l="100000" t="100000" r="100000" b="100000"/>
+          </a:path>
         </a:gradFill>
         <a:gradFill rotWithShape="1">
           <a:gsLst>
             <a:gs pos="0">
               <a:schemeClr val="phClr">
-                <a:satMod val="103000"/>
-                <a:lumMod val="102000"/>
-                <a:tint val="94000"/>
+                <a:shade val="85000"/>
+                <a:satMod val="130000"/>
               </a:schemeClr>
             </a:gs>
-            <a:gs pos="50000">
+            <a:gs pos="34000">
               <a:schemeClr val="phClr">
-                <a:satMod val="110000"/>
-                <a:lumMod val="100000"/>
-                <a:shade val="100000"/>
+                <a:shade val="87000"/>
+                <a:satMod val="125000"/>
+              </a:schemeClr>
+            </a:gs>
+            <a:gs pos="70000">
+              <a:schemeClr val="phClr">
+                <a:tint val="100000"/>
+                <a:shade val="90000"/>
+                <a:satMod val="130000"/>
               </a:schemeClr>
             </a:gs>
             <a:gs pos="100000">
               <a:schemeClr val="phClr">
-                <a:lumMod val="99000"/>
-                <a:satMod val="120000"/>
-                <a:shade val="78000"/>
+                <a:tint val="100000"/>
+                <a:shade val="100000"/>
+                <a:satMod val="110000"/>
               </a:schemeClr>
             </a:gs>
           </a:gsLst>
-          <a:lin ang="5400000" scaled="0"/>
+          <a:path path="circle">
+            <a:fillToRect l="100000" t="100000" r="100000" b="100000"/>
+          </a:path>
         </a:gradFill>
       </a:fillStyleLst>
       <a:lnStyleLst>
-        <a:ln w="6350" cap="flat" cmpd="sng" algn="ctr">
-          <a:solidFill>
-            <a:schemeClr val="phClr"/>
-          </a:solidFill>
-          <a:prstDash val="solid"/>
-          <a:miter lim="800000"/>
-        </a:ln>
         <a:ln w="12700" cap="flat" cmpd="sng" algn="ctr">
           <a:solidFill>
             <a:schemeClr val="phClr"/>
           </a:solidFill>
           <a:prstDash val="solid"/>
-          <a:miter lim="800000"/>
         </a:ln>
-        <a:ln w="19050" cap="flat" cmpd="sng" algn="ctr">
+        <a:ln w="15875" cap="flat" cmpd="sng" algn="ctr">
           <a:solidFill>
             <a:schemeClr val="phClr"/>
           </a:solidFill>
           <a:prstDash val="solid"/>
-          <a:miter lim="800000"/>
+        </a:ln>
+        <a:ln w="25400" cap="flat" cmpd="sng" algn="ctr">
+          <a:solidFill>
+            <a:schemeClr val="phClr"/>
+          </a:solidFill>
+          <a:prstDash val="solid"/>
         </a:ln>
       </a:lnStyleLst>
       <a:effectStyleLst>
@@ -4039,16 +4791,33 @@
           <a:effectLst/>
         </a:effectStyle>
         <a:effectStyle>
-          <a:effectLst/>
+          <a:effectLst>
+            <a:outerShdw blurRad="38100" dist="25400" dir="2700000" algn="br" rotWithShape="0">
+              <a:srgbClr val="000000">
+                <a:alpha val="60000"/>
+              </a:srgbClr>
+            </a:outerShdw>
+          </a:effectLst>
         </a:effectStyle>
         <a:effectStyle>
           <a:effectLst>
-            <a:outerShdw blurRad="57150" dist="19050" dir="5400000" algn="ctr" rotWithShape="0">
+            <a:outerShdw blurRad="44450" dist="25400" dir="2700000" algn="br" rotWithShape="0">
               <a:srgbClr val="000000">
-                <a:alpha val="63000"/>
+                <a:alpha val="60000"/>
               </a:srgbClr>
             </a:outerShdw>
           </a:effectLst>
+          <a:scene3d>
+            <a:camera prst="orthographicFront">
+              <a:rot lat="0" lon="0" rev="0"/>
+            </a:camera>
+            <a:lightRig rig="threePt" dir="t">
+              <a:rot lat="0" lon="0" rev="19800000"/>
+            </a:lightRig>
+          </a:scene3d>
+          <a:sp3d prstMaterial="flat">
+            <a:bevelT w="25400" h="31750"/>
+          </a:sp3d>
         </a:effectStyle>
       </a:effectStyleLst>
       <a:bgFillStyleLst>
@@ -4057,36 +4826,36 @@
         </a:solidFill>
         <a:solidFill>
           <a:schemeClr val="phClr">
-            <a:tint val="95000"/>
-            <a:satMod val="170000"/>
+            <a:tint val="90000"/>
+            <a:shade val="97000"/>
+            <a:satMod val="130000"/>
           </a:schemeClr>
         </a:solidFill>
         <a:gradFill rotWithShape="1">
           <a:gsLst>
             <a:gs pos="0">
               <a:schemeClr val="phClr">
-                <a:tint val="93000"/>
-                <a:satMod val="150000"/>
-                <a:shade val="98000"/>
-                <a:lumMod val="102000"/>
+                <a:tint val="96000"/>
+                <a:shade val="99000"/>
+                <a:satMod val="140000"/>
               </a:schemeClr>
             </a:gs>
-            <a:gs pos="50000">
+            <a:gs pos="65000">
               <a:schemeClr val="phClr">
-                <a:tint val="98000"/>
+                <a:tint val="100000"/>
+                <a:shade val="80000"/>
                 <a:satMod val="130000"/>
-                <a:shade val="90000"/>
-                <a:lumMod val="103000"/>
               </a:schemeClr>
             </a:gs>
             <a:gs pos="100000">
               <a:schemeClr val="phClr">
-                <a:shade val="63000"/>
+                <a:tint val="100000"/>
+                <a:shade val="48000"/>
                 <a:satMod val="120000"/>
               </a:schemeClr>
             </a:gs>
           </a:gsLst>
-          <a:lin ang="5400000" scaled="0"/>
+          <a:lin ang="16200000" scaled="0"/>
         </a:gradFill>
       </a:bgFillStyleLst>
     </a:fmtScheme>
@@ -4095,7 +4864,7 @@
   <a:extraClrSchemeLst/>
   <a:extLst>
     <a:ext uri="{05A4C25C-085E-4340-85A3-A5531E510DB2}">
-      <thm15:themeFamily xmlns:thm15="http://schemas.microsoft.com/office/thememl/2012/main" name="Office Theme" id="{62F939B6-93AF-4DB8-9C6B-D6C7DFDC589F}" vid="{4A3C46E8-61CC-4603-A589-7422A47A8E4A}"/>
+      <thm15:themeFamily xmlns:thm15="http://schemas.microsoft.com/office/thememl/2012/main" name="Retrospect" id="{5F128B03-DCCA-4EEB-AB3B-CF2899314A46}" vid="{9CC26709-368C-4D72-9060-94E5B3FF3CD6}"/>
     </a:ext>
   </a:extLst>
 </a:theme>
